--- a/docs/Inverted Index.pptx
+++ b/docs/Inverted Index.pptx
@@ -5,7 +5,7 @@
     <p:sldMasterId id="2147483648" r:id="rId1"/>
   </p:sldMasterIdLst>
   <p:notesMasterIdLst>
-    <p:notesMasterId r:id="rId28"/>
+    <p:notesMasterId r:id="rId29"/>
   </p:notesMasterIdLst>
   <p:sldIdLst>
     <p:sldId id="256" r:id="rId2"/>
@@ -34,6 +34,7 @@
     <p:sldId id="282" r:id="rId25"/>
     <p:sldId id="283" r:id="rId26"/>
     <p:sldId id="277" r:id="rId27"/>
+    <p:sldId id="284" r:id="rId28"/>
   </p:sldIdLst>
   <p:sldSz cx="9144000" cy="6858000" type="screen4x3"/>
   <p:notesSz cx="6858000" cy="9144000"/>
@@ -233,7 +234,7 @@
           <a:p>
             <a:fld id="{3B1C5D63-7D68-44CA-A02C-DA9AAD7607A8}" type="datetimeFigureOut">
               <a:rPr lang="en-US" smtClean="0"/>
-              <a:t>9/3/2014</a:t>
+              <a:t>9/7/2015</a:t>
             </a:fld>
             <a:endParaRPr lang="en-US"/>
           </a:p>
@@ -6892,15 +6893,7 @@
             </a:r>
             <a:r>
               <a:rPr lang="en-US" altLang="en-US" dirty="0" smtClean="0"/>
-              <a:t> is coded as x-1 </a:t>
-            </a:r>
-            <a:r>
-              <a:rPr lang="en-US" altLang="en-US" dirty="0" smtClean="0"/>
-              <a:t>bits of 1 </a:t>
-            </a:r>
-            <a:r>
-              <a:rPr lang="en-US" altLang="en-US" dirty="0" smtClean="0"/>
-              <a:t>followed by 0, e.g., 3=&gt; 110; 5=&gt;11110</a:t>
+              <a:t> is coded as x-1 bits of 1 followed by 0, e.g., 3=&gt; 110; 5=&gt;11110</a:t>
             </a:r>
           </a:p>
           <a:p>
@@ -11999,15 +11992,7 @@
             <a:pPr lvl="1"/>
             <a:r>
               <a:rPr lang="en-US" dirty="0" smtClean="0"/>
-              <a:t>We need term </a:t>
-            </a:r>
-            <a:r>
-              <a:rPr lang="en-US" dirty="0" smtClean="0"/>
-              <a:t>positions </a:t>
-            </a:r>
-            <a:r>
-              <a:rPr lang="en-US" dirty="0" smtClean="0"/>
-              <a:t>in documents</a:t>
+              <a:t>We need term positions in documents</a:t>
             </a:r>
           </a:p>
           <a:p>
@@ -18334,13 +18319,8 @@
           <a:p>
             <a:r>
               <a:rPr lang="en-US" dirty="0" smtClean="0"/>
-              <a:t>Generalized postings </a:t>
-            </a:r>
-            <a:r>
-              <a:rPr lang="en-US" dirty="0" smtClean="0"/>
-              <a:t>matching</a:t>
-            </a:r>
-            <a:endParaRPr lang="en-US" dirty="0" smtClean="0"/>
+              <a:t>Generalized postings matching</a:t>
+            </a:r>
           </a:p>
           <a:p>
             <a:pPr lvl="1"/>
@@ -23359,11 +23339,7 @@
           <a:p>
             <a:r>
               <a:rPr lang="en-US" dirty="0" smtClean="0"/>
-              <a:t>Search in inverted </a:t>
-            </a:r>
-            <a:r>
-              <a:rPr lang="en-US" dirty="0" smtClean="0"/>
-              <a:t>index</a:t>
+              <a:t>Search in inverted index</a:t>
             </a:r>
           </a:p>
           <a:p>
@@ -23379,7 +23355,6 @@
               <a:rPr lang="en-US" dirty="0" smtClean="0"/>
               <a:t>Query spelling correction</a:t>
             </a:r>
-            <a:endParaRPr lang="en-US" dirty="0" smtClean="0"/>
           </a:p>
           <a:p>
             <a:endParaRPr lang="en-US" dirty="0"/>
@@ -23472,6 +23447,244 @@
       </p:par>
     </p:tnLst>
   </p:timing>
+</p:sld>
+</file>
+
+<file path=ppt/slides/slide27.xml><?xml version="1.0" encoding="utf-8"?>
+<p:sld xmlns:a="http://schemas.openxmlformats.org/drawingml/2006/main" xmlns:r="http://schemas.openxmlformats.org/officeDocument/2006/relationships" xmlns:p="http://schemas.openxmlformats.org/presentationml/2006/main">
+  <p:cSld>
+    <p:spTree>
+      <p:nvGrpSpPr>
+        <p:cNvPr id="1" name=""/>
+        <p:cNvGrpSpPr/>
+        <p:nvPr/>
+      </p:nvGrpSpPr>
+      <p:grpSpPr>
+        <a:xfrm>
+          <a:off x="0" y="0"/>
+          <a:ext cx="0" cy="0"/>
+          <a:chOff x="0" y="0"/>
+          <a:chExt cx="0" cy="0"/>
+        </a:xfrm>
+      </p:grpSpPr>
+      <p:sp>
+        <p:nvSpPr>
+          <p:cNvPr id="2" name="Title 1"/>
+          <p:cNvSpPr>
+            <a:spLocks noGrp="1"/>
+          </p:cNvSpPr>
+          <p:nvPr>
+            <p:ph type="title"/>
+          </p:nvPr>
+        </p:nvSpPr>
+        <p:spPr/>
+        <p:txBody>
+          <a:bodyPr/>
+          <a:lstStyle/>
+          <a:p>
+            <a:r>
+              <a:rPr lang="en-US" dirty="0"/>
+              <a:t>Today’s reading</a:t>
+            </a:r>
+          </a:p>
+        </p:txBody>
+      </p:sp>
+      <p:sp>
+        <p:nvSpPr>
+          <p:cNvPr id="3" name="Content Placeholder 2"/>
+          <p:cNvSpPr>
+            <a:spLocks noGrp="1"/>
+          </p:cNvSpPr>
+          <p:nvPr>
+            <p:ph idx="1"/>
+          </p:nvPr>
+        </p:nvSpPr>
+        <p:spPr/>
+        <p:txBody>
+          <a:bodyPr>
+            <a:normAutofit/>
+          </a:bodyPr>
+          <a:lstStyle/>
+          <a:p>
+            <a:r>
+              <a:rPr lang="en-US" dirty="0"/>
+              <a:t>Introduction to Information Retrieval</a:t>
+            </a:r>
+          </a:p>
+          <a:p>
+            <a:pPr lvl="1"/>
+            <a:r>
+              <a:rPr lang="en-US" dirty="0"/>
+              <a:t>Chapter 2: The term vocabulary and postings lists</a:t>
+            </a:r>
+          </a:p>
+          <a:p>
+            <a:pPr lvl="2"/>
+            <a:r>
+              <a:rPr lang="en-US" dirty="0" smtClean="0"/>
+              <a:t>Section 2.3, Faster </a:t>
+            </a:r>
+            <a:r>
+              <a:rPr lang="en-US" dirty="0"/>
+              <a:t>postings list intersection via skip </a:t>
+            </a:r>
+            <a:r>
+              <a:rPr lang="en-US" dirty="0" smtClean="0"/>
+              <a:t>pointers</a:t>
+            </a:r>
+          </a:p>
+          <a:p>
+            <a:pPr lvl="2"/>
+            <a:r>
+              <a:rPr lang="en-US" dirty="0"/>
+              <a:t>Section </a:t>
+            </a:r>
+            <a:r>
+              <a:rPr lang="en-US" dirty="0" smtClean="0"/>
+              <a:t>2.4, </a:t>
+            </a:r>
+            <a:r>
+              <a:rPr lang="en-US" dirty="0"/>
+              <a:t>Positional postings and phrase queries</a:t>
+            </a:r>
+          </a:p>
+          <a:p>
+            <a:pPr lvl="1"/>
+            <a:r>
+              <a:rPr lang="en-US" dirty="0" smtClean="0"/>
+              <a:t>Chapter 4: </a:t>
+            </a:r>
+            <a:r>
+              <a:rPr lang="en-US" dirty="0"/>
+              <a:t>I</a:t>
+            </a:r>
+            <a:r>
+              <a:rPr lang="en-US" dirty="0" smtClean="0"/>
+              <a:t>ndex construction</a:t>
+            </a:r>
+          </a:p>
+          <a:p>
+            <a:pPr lvl="1"/>
+            <a:r>
+              <a:rPr lang="en-US" dirty="0"/>
+              <a:t>Chapter 5: Index </a:t>
+            </a:r>
+            <a:r>
+              <a:rPr lang="en-US" dirty="0" smtClean="0"/>
+              <a:t>compression</a:t>
+            </a:r>
+          </a:p>
+          <a:p>
+            <a:pPr lvl="2"/>
+            <a:r>
+              <a:rPr lang="en-US" dirty="0" smtClean="0"/>
+              <a:t>Section 5.2, </a:t>
+            </a:r>
+            <a:r>
+              <a:rPr lang="en-US" dirty="0"/>
+              <a:t>Dictionary compression</a:t>
+            </a:r>
+          </a:p>
+          <a:p>
+            <a:pPr lvl="2"/>
+            <a:r>
+              <a:rPr lang="en-US" dirty="0"/>
+              <a:t>Section </a:t>
+            </a:r>
+            <a:r>
+              <a:rPr lang="en-US" dirty="0" smtClean="0"/>
+              <a:t>5.3, </a:t>
+            </a:r>
+            <a:r>
+              <a:rPr lang="en-US" dirty="0"/>
+              <a:t>Postings file compression</a:t>
+            </a:r>
+          </a:p>
+          <a:p>
+            <a:pPr lvl="2"/>
+            <a:endParaRPr lang="en-US" dirty="0"/>
+          </a:p>
+        </p:txBody>
+      </p:sp>
+      <p:sp>
+        <p:nvSpPr>
+          <p:cNvPr id="4" name="Date Placeholder 3"/>
+          <p:cNvSpPr>
+            <a:spLocks noGrp="1"/>
+          </p:cNvSpPr>
+          <p:nvPr>
+            <p:ph type="dt" sz="half" idx="10"/>
+          </p:nvPr>
+        </p:nvSpPr>
+        <p:spPr/>
+        <p:txBody>
+          <a:bodyPr/>
+          <a:lstStyle/>
+          <a:p>
+            <a:r>
+              <a:rPr lang="en-US" smtClean="0"/>
+              <a:t>CS@UVa</a:t>
+            </a:r>
+            <a:endParaRPr lang="en-US"/>
+          </a:p>
+        </p:txBody>
+      </p:sp>
+      <p:sp>
+        <p:nvSpPr>
+          <p:cNvPr id="5" name="Footer Placeholder 4"/>
+          <p:cNvSpPr>
+            <a:spLocks noGrp="1"/>
+          </p:cNvSpPr>
+          <p:nvPr>
+            <p:ph type="ftr" sz="quarter" idx="11"/>
+          </p:nvPr>
+        </p:nvSpPr>
+        <p:spPr/>
+        <p:txBody>
+          <a:bodyPr/>
+          <a:lstStyle/>
+          <a:p>
+            <a:r>
+              <a:rPr lang="en-US" smtClean="0"/>
+              <a:t>CS6501: Information Retrieval</a:t>
+            </a:r>
+            <a:endParaRPr lang="en-US"/>
+          </a:p>
+        </p:txBody>
+      </p:sp>
+      <p:sp>
+        <p:nvSpPr>
+          <p:cNvPr id="6" name="Slide Number Placeholder 5"/>
+          <p:cNvSpPr>
+            <a:spLocks noGrp="1"/>
+          </p:cNvSpPr>
+          <p:nvPr>
+            <p:ph type="sldNum" sz="quarter" idx="12"/>
+          </p:nvPr>
+        </p:nvSpPr>
+        <p:spPr/>
+        <p:txBody>
+          <a:bodyPr/>
+          <a:lstStyle/>
+          <a:p>
+            <a:fld id="{E83B2413-24D7-4386-9BA0-B9E8B375D28C}" type="slidenum">
+              <a:rPr lang="en-US" smtClean="0"/>
+              <a:t>27</a:t>
+            </a:fld>
+            <a:endParaRPr lang="en-US"/>
+          </a:p>
+        </p:txBody>
+      </p:sp>
+    </p:spTree>
+    <p:extLst>
+      <p:ext uri="{BB962C8B-B14F-4D97-AF65-F5344CB8AC3E}">
+        <p14:creationId xmlns:p14="http://schemas.microsoft.com/office/powerpoint/2010/main" val="1311512310"/>
+      </p:ext>
+    </p:extLst>
+  </p:cSld>
+  <p:clrMapOvr>
+    <a:masterClrMapping/>
+  </p:clrMapOvr>
 </p:sld>
 </file>
 
@@ -23548,7 +23761,6 @@
               <a:rPr lang="en-US" dirty="0" smtClean="0"/>
               <a:t>Tokenized/normalized</a:t>
             </a:r>
-            <a:endParaRPr lang="en-US" dirty="0" smtClean="0"/>
           </a:p>
           <a:p>
             <a:pPr lvl="1"/>

--- a/docs/Inverted Index.pptx
+++ b/docs/Inverted Index.pptx
@@ -586,6 +586,90 @@
 </p:notes>
 </file>
 
+<file path=ppt/notesSlides/notesSlide2.xml><?xml version="1.0" encoding="utf-8"?>
+<p:notes xmlns:a="http://schemas.openxmlformats.org/drawingml/2006/main" xmlns:r="http://schemas.openxmlformats.org/officeDocument/2006/relationships" xmlns:p="http://schemas.openxmlformats.org/presentationml/2006/main">
+  <p:cSld>
+    <p:spTree>
+      <p:nvGrpSpPr>
+        <p:cNvPr id="1" name=""/>
+        <p:cNvGrpSpPr/>
+        <p:nvPr/>
+      </p:nvGrpSpPr>
+      <p:grpSpPr>
+        <a:xfrm>
+          <a:off x="0" y="0"/>
+          <a:ext cx="0" cy="0"/>
+          <a:chOff x="0" y="0"/>
+          <a:chExt cx="0" cy="0"/>
+        </a:xfrm>
+      </p:grpSpPr>
+      <p:sp>
+        <p:nvSpPr>
+          <p:cNvPr id="2" name="Slide Image Placeholder 1"/>
+          <p:cNvSpPr>
+            <a:spLocks noGrp="1" noRot="1" noChangeAspect="1"/>
+          </p:cNvSpPr>
+          <p:nvPr>
+            <p:ph type="sldImg"/>
+          </p:nvPr>
+        </p:nvSpPr>
+        <p:spPr/>
+      </p:sp>
+      <p:sp>
+        <p:nvSpPr>
+          <p:cNvPr id="3" name="Notes Placeholder 2"/>
+          <p:cNvSpPr>
+            <a:spLocks noGrp="1"/>
+          </p:cNvSpPr>
+          <p:nvPr>
+            <p:ph type="body" idx="1"/>
+          </p:nvPr>
+        </p:nvSpPr>
+        <p:spPr/>
+        <p:txBody>
+          <a:bodyPr/>
+          <a:lstStyle/>
+          <a:p>
+            <a:endParaRPr lang="en-US"/>
+          </a:p>
+        </p:txBody>
+      </p:sp>
+      <p:sp>
+        <p:nvSpPr>
+          <p:cNvPr id="4" name="Slide Number Placeholder 3"/>
+          <p:cNvSpPr>
+            <a:spLocks noGrp="1"/>
+          </p:cNvSpPr>
+          <p:nvPr>
+            <p:ph type="sldNum" sz="quarter" idx="10"/>
+          </p:nvPr>
+        </p:nvSpPr>
+        <p:spPr/>
+        <p:txBody>
+          <a:bodyPr/>
+          <a:lstStyle/>
+          <a:p>
+            <a:fld id="{BD539B88-A8FC-4E39-BE52-6DF778B01636}" type="slidenum">
+              <a:rPr lang="en-US" smtClean="0"/>
+              <a:t>13</a:t>
+            </a:fld>
+            <a:endParaRPr lang="en-US"/>
+          </a:p>
+        </p:txBody>
+      </p:sp>
+    </p:spTree>
+    <p:extLst>
+      <p:ext uri="{BB962C8B-B14F-4D97-AF65-F5344CB8AC3E}">
+        <p14:creationId xmlns:p14="http://schemas.microsoft.com/office/powerpoint/2010/main" val="3670707608"/>
+      </p:ext>
+    </p:extLst>
+  </p:cSld>
+  <p:clrMapOvr>
+    <a:masterClrMapping/>
+  </p:clrMapOvr>
+</p:notes>
+</file>
+
 <file path=ppt/slideLayouts/slideLayout1.xml><?xml version="1.0" encoding="utf-8"?>
 <p:sldLayout xmlns:a="http://schemas.openxmlformats.org/drawingml/2006/main" xmlns:r="http://schemas.openxmlformats.org/officeDocument/2006/relationships" xmlns:p="http://schemas.openxmlformats.org/presentationml/2006/main" type="title" preserve="1">
   <p:cSld name="Title Slide">
@@ -790,7 +874,7 @@
           <a:p>
             <a:r>
               <a:rPr lang="en-US" smtClean="0"/>
-              <a:t>CS6501: Information Retrieval</a:t>
+              <a:t>CS4501: Information Retrieval</a:t>
             </a:r>
             <a:endParaRPr lang="en-US"/>
           </a:p>
@@ -964,7 +1048,7 @@
           <a:p>
             <a:r>
               <a:rPr lang="en-US" smtClean="0"/>
-              <a:t>CS6501: Information Retrieval</a:t>
+              <a:t>CS4501: Information Retrieval</a:t>
             </a:r>
             <a:endParaRPr lang="en-US"/>
           </a:p>
@@ -1148,7 +1232,7 @@
           <a:p>
             <a:r>
               <a:rPr lang="en-US" smtClean="0"/>
-              <a:t>CS6501: Information Retrieval</a:t>
+              <a:t>CS4501: Information Retrieval</a:t>
             </a:r>
             <a:endParaRPr lang="en-US"/>
           </a:p>
@@ -1322,7 +1406,7 @@
           <a:p>
             <a:r>
               <a:rPr lang="en-US" smtClean="0"/>
-              <a:t>CS6501: Information Retrieval</a:t>
+              <a:t>CS4501: Information Retrieval</a:t>
             </a:r>
             <a:endParaRPr lang="en-US"/>
           </a:p>
@@ -1572,7 +1656,7 @@
           <a:p>
             <a:r>
               <a:rPr lang="en-US" smtClean="0"/>
-              <a:t>CS6501: Information Retrieval</a:t>
+              <a:t>CS4501: Information Retrieval</a:t>
             </a:r>
             <a:endParaRPr lang="en-US"/>
           </a:p>
@@ -1864,7 +1948,7 @@
           <a:p>
             <a:r>
               <a:rPr lang="en-US" smtClean="0"/>
-              <a:t>CS6501: Information Retrieval</a:t>
+              <a:t>CS4501: Information Retrieval</a:t>
             </a:r>
             <a:endParaRPr lang="en-US"/>
           </a:p>
@@ -2290,7 +2374,7 @@
           <a:p>
             <a:r>
               <a:rPr lang="en-US" smtClean="0"/>
-              <a:t>CS6501: Information Retrieval</a:t>
+              <a:t>CS4501: Information Retrieval</a:t>
             </a:r>
             <a:endParaRPr lang="en-US"/>
           </a:p>
@@ -2412,7 +2496,7 @@
           <a:p>
             <a:r>
               <a:rPr lang="en-US" smtClean="0"/>
-              <a:t>CS6501: Information Retrieval</a:t>
+              <a:t>CS4501: Information Retrieval</a:t>
             </a:r>
             <a:endParaRPr lang="en-US"/>
           </a:p>
@@ -2511,7 +2595,7 @@
           <a:p>
             <a:r>
               <a:rPr lang="en-US" smtClean="0"/>
-              <a:t>CS6501: Information Retrieval</a:t>
+              <a:t>CS4501: Information Retrieval</a:t>
             </a:r>
             <a:endParaRPr lang="en-US"/>
           </a:p>
@@ -2792,7 +2876,7 @@
           <a:p>
             <a:r>
               <a:rPr lang="en-US" smtClean="0"/>
-              <a:t>CS6501: Information Retrieval</a:t>
+              <a:t>CS4501: Information Retrieval</a:t>
             </a:r>
             <a:endParaRPr lang="en-US"/>
           </a:p>
@@ -3049,7 +3133,7 @@
           <a:p>
             <a:r>
               <a:rPr lang="en-US" smtClean="0"/>
-              <a:t>CS6501: Information Retrieval</a:t>
+              <a:t>CS4501: Information Retrieval</a:t>
             </a:r>
             <a:endParaRPr lang="en-US"/>
           </a:p>
@@ -3284,7 +3368,7 @@
           <a:p>
             <a:r>
               <a:rPr lang="en-US" smtClean="0"/>
-              <a:t>CS6501: Information Retrieval</a:t>
+              <a:t>CS4501: Information Retrieval</a:t>
             </a:r>
             <a:endParaRPr lang="en-US"/>
           </a:p>
@@ -5494,7 +5578,7 @@
           <a:p>
             <a:r>
               <a:rPr lang="en-US" smtClean="0"/>
-              <a:t>CS6501: Information Retrieval</a:t>
+              <a:t>CS4501: Information Retrieval</a:t>
             </a:r>
             <a:endParaRPr lang="en-US"/>
           </a:p>
@@ -5895,7 +5979,7 @@
           <a:p>
             <a:r>
               <a:rPr lang="en-US" smtClean="0"/>
-              <a:t>CS6501: Information Retrieval</a:t>
+              <a:t>CS4501: Information Retrieval</a:t>
             </a:r>
             <a:endParaRPr lang="en-US"/>
           </a:p>
@@ -6279,7 +6363,7 @@
           <a:p>
             <a:r>
               <a:rPr lang="en-US" smtClean="0"/>
-              <a:t>CS6501: Information Retrieval</a:t>
+              <a:t>CS4501: Information Retrieval</a:t>
             </a:r>
             <a:endParaRPr lang="en-US"/>
           </a:p>
@@ -6523,7 +6607,7 @@
           <a:p>
             <a:r>
               <a:rPr lang="en-US" smtClean="0"/>
-              <a:t>CS6501: Information Retrieval</a:t>
+              <a:t>CS4501: Information Retrieval</a:t>
             </a:r>
             <a:endParaRPr lang="en-US"/>
           </a:p>
@@ -6972,7 +7056,7 @@
           <a:p>
             <a:r>
               <a:rPr lang="en-US" smtClean="0"/>
-              <a:t>CS6501: Information Retrieval</a:t>
+              <a:t>CS4501: Information Retrieval</a:t>
             </a:r>
             <a:endParaRPr lang="en-US"/>
           </a:p>
@@ -7123,7 +7207,7 @@
           <a:p>
             <a:r>
               <a:rPr lang="en-US" smtClean="0"/>
-              <a:t>CS6501: Information Retrieval</a:t>
+              <a:t>CS4501: Information Retrieval</a:t>
             </a:r>
             <a:endParaRPr lang="en-US"/>
           </a:p>
@@ -7579,7 +7663,7 @@
           <a:p>
             <a:r>
               <a:rPr lang="en-US" smtClean="0"/>
-              <a:t>CS6501: Information Retrieval</a:t>
+              <a:t>CS4501: Information Retrieval</a:t>
             </a:r>
             <a:endParaRPr lang="en-US"/>
           </a:p>
@@ -7773,7 +7857,7 @@
           <a:p>
             <a:r>
               <a:rPr lang="en-US" smtClean="0"/>
-              <a:t>CS6501: Information Retrieval</a:t>
+              <a:t>CS4501: Information Retrieval</a:t>
             </a:r>
             <a:endParaRPr lang="en-US"/>
           </a:p>
@@ -11453,7 +11537,7 @@
           <a:p>
             <a:r>
               <a:rPr lang="en-US" smtClean="0"/>
-              <a:t>CS6501: Information Retrieval</a:t>
+              <a:t>CS4501: Information Retrieval</a:t>
             </a:r>
             <a:endParaRPr lang="en-US"/>
           </a:p>
@@ -12045,7 +12129,7 @@
           <a:p>
             <a:r>
               <a:rPr lang="en-US" smtClean="0"/>
-              <a:t>CS6501: Information Retrieval</a:t>
+              <a:t>CS4501: Information Retrieval</a:t>
             </a:r>
             <a:endParaRPr lang="en-US"/>
           </a:p>
@@ -18137,7 +18221,7 @@
           <a:p>
             <a:r>
               <a:rPr lang="en-US" smtClean="0"/>
-              <a:t>CS6501: Information Retrieval</a:t>
+              <a:t>CS4501: Information Retrieval</a:t>
             </a:r>
             <a:endParaRPr lang="en-US"/>
           </a:p>
@@ -21613,7 +21697,7 @@
           <a:p>
             <a:r>
               <a:rPr lang="en-US" smtClean="0"/>
-              <a:t>CS6501: Information Retrieval</a:t>
+              <a:t>CS4501: Information Retrieval</a:t>
             </a:r>
             <a:endParaRPr lang="en-US"/>
           </a:p>
@@ -21886,7 +21970,7 @@
           <a:p>
             <a:r>
               <a:rPr lang="en-US" smtClean="0"/>
-              <a:t>CS6501: Information Retrieval</a:t>
+              <a:t>CS4501: Information Retrieval</a:t>
             </a:r>
             <a:endParaRPr lang="en-US"/>
           </a:p>
@@ -22129,7 +22213,7 @@
           <a:p>
             <a:r>
               <a:rPr lang="en-US" smtClean="0"/>
-              <a:t>CS6501: Information Retrieval</a:t>
+              <a:t>CS4501: Information Retrieval</a:t>
             </a:r>
             <a:endParaRPr lang="en-US"/>
           </a:p>
@@ -22356,7 +22440,7 @@
           <a:p>
             <a:r>
               <a:rPr lang="en-US" smtClean="0"/>
-              <a:t>CS6501: Information Retrieval</a:t>
+              <a:t>CS4501: Information Retrieval</a:t>
             </a:r>
             <a:endParaRPr lang="en-US"/>
           </a:p>
@@ -22782,7 +22866,7 @@
           <a:p>
             <a:r>
               <a:rPr lang="en-US" smtClean="0"/>
-              <a:t>CS6501: Information Retrieval</a:t>
+              <a:t>CS4501: Information Retrieval</a:t>
             </a:r>
             <a:endParaRPr lang="en-US"/>
           </a:p>
@@ -23110,7 +23194,7 @@
           <a:p>
             <a:r>
               <a:rPr lang="en-US" smtClean="0"/>
-              <a:t>CS6501: Information Retrieval</a:t>
+              <a:t>CS4501: Information Retrieval</a:t>
             </a:r>
             <a:endParaRPr lang="en-US"/>
           </a:p>
@@ -23401,7 +23485,7 @@
           <a:p>
             <a:r>
               <a:rPr lang="en-US" smtClean="0"/>
-              <a:t>CS6501: Information Retrieval</a:t>
+              <a:t>CS4501: Information Retrieval</a:t>
             </a:r>
             <a:endParaRPr lang="en-US"/>
           </a:p>
@@ -23646,7 +23730,7 @@
           <a:p>
             <a:r>
               <a:rPr lang="en-US" smtClean="0"/>
-              <a:t>CS6501: Information Retrieval</a:t>
+              <a:t>CS4501: Information Retrieval</a:t>
             </a:r>
             <a:endParaRPr lang="en-US"/>
           </a:p>
@@ -23685,6 +23769,13 @@
   <p:clrMapOvr>
     <a:masterClrMapping/>
   </p:clrMapOvr>
+  <p:timing>
+    <p:tnLst>
+      <p:par>
+        <p:cTn id="1" dur="indefinite" restart="never" nodeType="tmRoot"/>
+      </p:par>
+    </p:tnLst>
+  </p:timing>
 </p:sld>
 </file>
 
@@ -24389,7 +24480,7 @@
           <a:p>
             <a:r>
               <a:rPr lang="en-US" smtClean="0"/>
-              <a:t>CS6501: Information Retrieval</a:t>
+              <a:t>CS4501: Information Retrieval</a:t>
             </a:r>
             <a:endParaRPr lang="en-US"/>
           </a:p>
@@ -24999,7 +25090,7 @@
           <a:p>
             <a:r>
               <a:rPr lang="en-US" smtClean="0"/>
-              <a:t>CS6501: Information Retrieval</a:t>
+              <a:t>CS4501: Information Retrieval</a:t>
             </a:r>
             <a:endParaRPr lang="en-US"/>
           </a:p>
@@ -25948,7 +26039,7 @@
           <a:p>
             <a:r>
               <a:rPr lang="en-US" smtClean="0"/>
-              <a:t>CS6501: Information Retrieval</a:t>
+              <a:t>CS4501: Information Retrieval</a:t>
             </a:r>
             <a:endParaRPr lang="en-US"/>
           </a:p>
@@ -28045,7 +28136,7 @@
           <a:p>
             <a:r>
               <a:rPr lang="en-US" smtClean="0"/>
-              <a:t>CS6501: Information Retrieval</a:t>
+              <a:t>CS4501: Information Retrieval</a:t>
             </a:r>
             <a:endParaRPr lang="en-US"/>
           </a:p>
@@ -29363,7 +29454,7 @@
           <a:p>
             <a:r>
               <a:rPr lang="en-US" smtClean="0"/>
-              <a:t>CS6501: Information Retrieval</a:t>
+              <a:t>CS4501: Information Retrieval</a:t>
             </a:r>
             <a:endParaRPr lang="en-US"/>
           </a:p>
@@ -32577,7 +32668,7 @@
           <a:p>
             <a:r>
               <a:rPr lang="en-US" smtClean="0"/>
-              <a:t>CS6501: Information Retrieval</a:t>
+              <a:t>CS4501: Information Retrieval</a:t>
             </a:r>
             <a:endParaRPr lang="en-US"/>
           </a:p>
@@ -33224,7 +33315,7 @@
           <a:p>
             <a:r>
               <a:rPr lang="en-US" smtClean="0"/>
-              <a:t>CS6501: Information Retrieval</a:t>
+              <a:t>CS4501: Information Retrieval</a:t>
             </a:r>
             <a:endParaRPr lang="en-US"/>
           </a:p>

--- a/docs/Inverted Index.pptx
+++ b/docs/Inverted Index.pptx
@@ -5,7 +5,7 @@
     <p:sldMasterId id="2147483648" r:id="rId1"/>
   </p:sldMasterIdLst>
   <p:notesMasterIdLst>
-    <p:notesMasterId r:id="rId34"/>
+    <p:notesMasterId r:id="rId35"/>
   </p:notesMasterIdLst>
   <p:sldIdLst>
     <p:sldId id="256" r:id="rId2"/>
@@ -16,30 +16,31 @@
     <p:sldId id="260" r:id="rId7"/>
     <p:sldId id="262" r:id="rId8"/>
     <p:sldId id="286" r:id="rId9"/>
-    <p:sldId id="287" r:id="rId10"/>
-    <p:sldId id="288" r:id="rId11"/>
-    <p:sldId id="289" r:id="rId12"/>
-    <p:sldId id="264" r:id="rId13"/>
-    <p:sldId id="265" r:id="rId14"/>
-    <p:sldId id="266" r:id="rId15"/>
-    <p:sldId id="268" r:id="rId16"/>
-    <p:sldId id="267" r:id="rId17"/>
-    <p:sldId id="290" r:id="rId18"/>
-    <p:sldId id="269" r:id="rId19"/>
-    <p:sldId id="270" r:id="rId20"/>
-    <p:sldId id="279" r:id="rId21"/>
-    <p:sldId id="271" r:id="rId22"/>
-    <p:sldId id="272" r:id="rId23"/>
-    <p:sldId id="273" r:id="rId24"/>
-    <p:sldId id="274" r:id="rId25"/>
-    <p:sldId id="275" r:id="rId26"/>
-    <p:sldId id="276" r:id="rId27"/>
-    <p:sldId id="280" r:id="rId28"/>
-    <p:sldId id="281" r:id="rId29"/>
-    <p:sldId id="282" r:id="rId30"/>
-    <p:sldId id="283" r:id="rId31"/>
-    <p:sldId id="277" r:id="rId32"/>
-    <p:sldId id="284" r:id="rId33"/>
+    <p:sldId id="291" r:id="rId10"/>
+    <p:sldId id="287" r:id="rId11"/>
+    <p:sldId id="288" r:id="rId12"/>
+    <p:sldId id="289" r:id="rId13"/>
+    <p:sldId id="264" r:id="rId14"/>
+    <p:sldId id="265" r:id="rId15"/>
+    <p:sldId id="266" r:id="rId16"/>
+    <p:sldId id="268" r:id="rId17"/>
+    <p:sldId id="267" r:id="rId18"/>
+    <p:sldId id="290" r:id="rId19"/>
+    <p:sldId id="269" r:id="rId20"/>
+    <p:sldId id="270" r:id="rId21"/>
+    <p:sldId id="279" r:id="rId22"/>
+    <p:sldId id="271" r:id="rId23"/>
+    <p:sldId id="272" r:id="rId24"/>
+    <p:sldId id="273" r:id="rId25"/>
+    <p:sldId id="274" r:id="rId26"/>
+    <p:sldId id="275" r:id="rId27"/>
+    <p:sldId id="276" r:id="rId28"/>
+    <p:sldId id="280" r:id="rId29"/>
+    <p:sldId id="281" r:id="rId30"/>
+    <p:sldId id="282" r:id="rId31"/>
+    <p:sldId id="283" r:id="rId32"/>
+    <p:sldId id="277" r:id="rId33"/>
+    <p:sldId id="284" r:id="rId34"/>
   </p:sldIdLst>
   <p:sldSz cx="9144000" cy="6858000" type="screen4x3"/>
   <p:notesSz cx="6858000" cy="9144000"/>
@@ -239,7 +240,7 @@
           <a:p>
             <a:fld id="{3B1C5D63-7D68-44CA-A02C-DA9AAD7607A8}" type="datetimeFigureOut">
               <a:rPr lang="en-US" smtClean="0"/>
-              <a:t>9/8/2015</a:t>
+              <a:t>9/13/2015</a:t>
             </a:fld>
             <a:endParaRPr lang="en-US"/>
           </a:p>
@@ -656,7 +657,7 @@
           <a:p>
             <a:fld id="{BD539B88-A8FC-4E39-BE52-6DF778B01636}" type="slidenum">
               <a:rPr lang="en-US" smtClean="0"/>
-              <a:t>18</a:t>
+              <a:t>19</a:t>
             </a:fld>
             <a:endParaRPr lang="en-US"/>
           </a:p>
@@ -3789,6 +3790,220 @@
 </file>
 
 <file path=ppt/slides/slide10.xml><?xml version="1.0" encoding="utf-8"?>
+<p:sld xmlns:a="http://schemas.openxmlformats.org/drawingml/2006/main" xmlns:r="http://schemas.openxmlformats.org/officeDocument/2006/relationships" xmlns:p="http://schemas.openxmlformats.org/presentationml/2006/main">
+  <p:cSld>
+    <p:spTree>
+      <p:nvGrpSpPr>
+        <p:cNvPr id="1" name=""/>
+        <p:cNvGrpSpPr/>
+        <p:nvPr/>
+      </p:nvGrpSpPr>
+      <p:grpSpPr>
+        <a:xfrm>
+          <a:off x="0" y="0"/>
+          <a:ext cx="0" cy="0"/>
+          <a:chOff x="0" y="0"/>
+          <a:chExt cx="0" cy="0"/>
+        </a:xfrm>
+      </p:grpSpPr>
+      <p:sp>
+        <p:nvSpPr>
+          <p:cNvPr id="2" name="Title 1"/>
+          <p:cNvSpPr>
+            <a:spLocks noGrp="1"/>
+          </p:cNvSpPr>
+          <p:nvPr>
+            <p:ph type="title"/>
+          </p:nvPr>
+        </p:nvSpPr>
+        <p:spPr/>
+        <p:txBody>
+          <a:bodyPr/>
+          <a:lstStyle/>
+          <a:p>
+            <a:r>
+              <a:rPr lang="en-US" dirty="0" smtClean="0"/>
+              <a:t>Recap: Normalization</a:t>
+            </a:r>
+            <a:endParaRPr lang="en-US" dirty="0"/>
+          </a:p>
+        </p:txBody>
+      </p:sp>
+      <p:sp>
+        <p:nvSpPr>
+          <p:cNvPr id="3" name="Content Placeholder 2"/>
+          <p:cNvSpPr>
+            <a:spLocks noGrp="1"/>
+          </p:cNvSpPr>
+          <p:nvPr>
+            <p:ph idx="1"/>
+          </p:nvPr>
+        </p:nvSpPr>
+        <p:spPr/>
+        <p:txBody>
+          <a:bodyPr>
+            <a:normAutofit lnSpcReduction="10000"/>
+          </a:bodyPr>
+          <a:lstStyle/>
+          <a:p>
+            <a:r>
+              <a:rPr lang="en-US" dirty="0" smtClean="0"/>
+              <a:t>Solution</a:t>
+            </a:r>
+          </a:p>
+          <a:p>
+            <a:pPr lvl="1"/>
+            <a:r>
+              <a:rPr lang="en-US" dirty="0" smtClean="0"/>
+              <a:t>Rule-based</a:t>
+            </a:r>
+          </a:p>
+          <a:p>
+            <a:pPr lvl="2"/>
+            <a:r>
+              <a:rPr lang="en-US" dirty="0" smtClean="0"/>
+              <a:t>Delete periods and hyphens</a:t>
+            </a:r>
+          </a:p>
+          <a:p>
+            <a:pPr lvl="2"/>
+            <a:r>
+              <a:rPr lang="en-US" dirty="0" smtClean="0"/>
+              <a:t>All in lower case</a:t>
+            </a:r>
+          </a:p>
+          <a:p>
+            <a:pPr lvl="1"/>
+            <a:r>
+              <a:rPr lang="en-US" dirty="0" smtClean="0"/>
+              <a:t>Dictionary-based</a:t>
+            </a:r>
+          </a:p>
+          <a:p>
+            <a:pPr lvl="2"/>
+            <a:r>
+              <a:rPr lang="en-US" dirty="0" smtClean="0"/>
+              <a:t>Construct equivalent class</a:t>
+            </a:r>
+          </a:p>
+          <a:p>
+            <a:pPr lvl="3"/>
+            <a:r>
+              <a:rPr lang="en-US" dirty="0" smtClean="0"/>
+              <a:t>Car -&gt; “automobile, vehicle”</a:t>
+            </a:r>
+          </a:p>
+          <a:p>
+            <a:pPr lvl="3"/>
+            <a:r>
+              <a:rPr lang="en-US" dirty="0" smtClean="0"/>
+              <a:t>Mobile phone -&gt; “cellphone”</a:t>
+            </a:r>
+          </a:p>
+          <a:p>
+            <a:r>
+              <a:rPr lang="en-US" dirty="0"/>
+              <a:t>Stemming: Reduce inflected or derived words to their root form </a:t>
+            </a:r>
+          </a:p>
+          <a:p>
+            <a:pPr marL="0" indent="0">
+              <a:buNone/>
+            </a:pPr>
+            <a:endParaRPr lang="en-US" dirty="0"/>
+          </a:p>
+        </p:txBody>
+      </p:sp>
+      <p:sp>
+        <p:nvSpPr>
+          <p:cNvPr id="4" name="Date Placeholder 3"/>
+          <p:cNvSpPr>
+            <a:spLocks noGrp="1"/>
+          </p:cNvSpPr>
+          <p:nvPr>
+            <p:ph type="dt" sz="half" idx="10"/>
+          </p:nvPr>
+        </p:nvSpPr>
+        <p:spPr/>
+        <p:txBody>
+          <a:bodyPr/>
+          <a:lstStyle/>
+          <a:p>
+            <a:r>
+              <a:rPr lang="en-US" smtClean="0"/>
+              <a:t>CS@UVa</a:t>
+            </a:r>
+            <a:endParaRPr lang="en-US" dirty="0"/>
+          </a:p>
+        </p:txBody>
+      </p:sp>
+      <p:sp>
+        <p:nvSpPr>
+          <p:cNvPr id="5" name="Footer Placeholder 4"/>
+          <p:cNvSpPr>
+            <a:spLocks noGrp="1"/>
+          </p:cNvSpPr>
+          <p:nvPr>
+            <p:ph type="ftr" sz="quarter" idx="11"/>
+          </p:nvPr>
+        </p:nvSpPr>
+        <p:spPr/>
+        <p:txBody>
+          <a:bodyPr/>
+          <a:lstStyle/>
+          <a:p>
+            <a:r>
+              <a:rPr lang="en-US" smtClean="0"/>
+              <a:t>CS4501: Information Retrieval</a:t>
+            </a:r>
+            <a:endParaRPr lang="en-US"/>
+          </a:p>
+        </p:txBody>
+      </p:sp>
+      <p:sp>
+        <p:nvSpPr>
+          <p:cNvPr id="6" name="Slide Number Placeholder 5"/>
+          <p:cNvSpPr>
+            <a:spLocks noGrp="1"/>
+          </p:cNvSpPr>
+          <p:nvPr>
+            <p:ph type="sldNum" sz="quarter" idx="12"/>
+          </p:nvPr>
+        </p:nvSpPr>
+        <p:spPr/>
+        <p:txBody>
+          <a:bodyPr/>
+          <a:lstStyle/>
+          <a:p>
+            <a:fld id="{93582EC2-63CB-4149-BC8B-E4DB3A07B74B}" type="slidenum">
+              <a:rPr lang="en-US" smtClean="0"/>
+              <a:t>10</a:t>
+            </a:fld>
+            <a:endParaRPr lang="en-US"/>
+          </a:p>
+        </p:txBody>
+      </p:sp>
+    </p:spTree>
+    <p:extLst>
+      <p:ext uri="{BB962C8B-B14F-4D97-AF65-F5344CB8AC3E}">
+        <p14:creationId xmlns:p14="http://schemas.microsoft.com/office/powerpoint/2010/main" val="149001305"/>
+      </p:ext>
+    </p:extLst>
+  </p:cSld>
+  <p:clrMapOvr>
+    <a:masterClrMapping/>
+  </p:clrMapOvr>
+  <p:timing>
+    <p:tnLst>
+      <p:par>
+        <p:cTn id="1" dur="indefinite" restart="never" nodeType="tmRoot"/>
+      </p:par>
+    </p:tnLst>
+  </p:timing>
+</p:sld>
+</file>
+
+<file path=ppt/slides/slide11.xml><?xml version="1.0" encoding="utf-8"?>
 <p:sld xmlns:a="http://schemas.openxmlformats.org/drawingml/2006/main" xmlns:r="http://schemas.openxmlformats.org/officeDocument/2006/relationships" xmlns:p="http://schemas.openxmlformats.org/presentationml/2006/main">
   <p:cSld>
     <p:spTree>
@@ -6074,7 +6289,7 @@
           <a:p>
             <a:fld id="{8FFD2F68-5222-4E23-9325-DA915C0C80C8}" type="slidenum">
               <a:rPr lang="en-US" smtClean="0"/>
-              <a:t>10</a:t>
+              <a:t>11</a:t>
             </a:fld>
             <a:endParaRPr lang="en-US"/>
           </a:p>
@@ -6507,7 +6722,7 @@
 </p:sld>
 </file>
 
-<file path=ppt/slides/slide11.xml><?xml version="1.0" encoding="utf-8"?>
+<file path=ppt/slides/slide12.xml><?xml version="1.0" encoding="utf-8"?>
 <p:sld xmlns:a="http://schemas.openxmlformats.org/drawingml/2006/main" xmlns:r="http://schemas.openxmlformats.org/officeDocument/2006/relationships" xmlns:p="http://schemas.openxmlformats.org/presentationml/2006/main">
   <p:cSld>
     <p:spTree>
@@ -6541,11 +6756,7 @@
           <a:p>
             <a:r>
               <a:rPr lang="en-US" dirty="0" smtClean="0"/>
-              <a:t>Recap: </a:t>
-            </a:r>
-            <a:r>
-              <a:rPr lang="en-US" dirty="0" smtClean="0"/>
-              <a:t>inverted index</a:t>
+              <a:t>Recap: inverted index</a:t>
             </a:r>
             <a:endParaRPr lang="en-US" dirty="0"/>
           </a:p>
@@ -8334,7 +8545,7 @@
           <a:p>
             <a:fld id="{E83B2413-24D7-4386-9BA0-B9E8B375D28C}" type="slidenum">
               <a:rPr lang="en-US" smtClean="0"/>
-              <a:t>11</a:t>
+              <a:t>12</a:t>
             </a:fld>
             <a:endParaRPr lang="en-US"/>
           </a:p>
@@ -8360,7 +8571,7 @@
 </p:sld>
 </file>
 
-<file path=ppt/slides/slide12.xml><?xml version="1.0" encoding="utf-8"?>
+<file path=ppt/slides/slide13.xml><?xml version="1.0" encoding="utf-8"?>
 <p:sld xmlns:a="http://schemas.openxmlformats.org/drawingml/2006/main" xmlns:r="http://schemas.openxmlformats.org/officeDocument/2006/relationships" xmlns:p="http://schemas.openxmlformats.org/presentationml/2006/main">
   <p:cSld>
     <p:spTree>
@@ -11304,7 +11515,7 @@
           <a:p>
             <a:fld id="{E83B2413-24D7-4386-9BA0-B9E8B375D28C}" type="slidenum">
               <a:rPr lang="en-US" smtClean="0"/>
-              <a:t>12</a:t>
+              <a:t>13</a:t>
             </a:fld>
             <a:endParaRPr lang="en-US"/>
           </a:p>
@@ -11707,7 +11918,7 @@
 </p:sld>
 </file>
 
-<file path=ppt/slides/slide13.xml><?xml version="1.0" encoding="utf-8"?>
+<file path=ppt/slides/slide14.xml><?xml version="1.0" encoding="utf-8"?>
 <p:sld xmlns:a="http://schemas.openxmlformats.org/drawingml/2006/main" xmlns:r="http://schemas.openxmlformats.org/officeDocument/2006/relationships" xmlns:p="http://schemas.openxmlformats.org/presentationml/2006/main">
   <p:cSld>
     <p:spTree>
@@ -11951,7 +12162,7 @@
           <a:p>
             <a:fld id="{E83B2413-24D7-4386-9BA0-B9E8B375D28C}" type="slidenum">
               <a:rPr lang="en-US" smtClean="0"/>
-              <a:t>13</a:t>
+              <a:t>14</a:t>
             </a:fld>
             <a:endParaRPr lang="en-US"/>
           </a:p>
@@ -12048,7 +12259,7 @@
 </p:sld>
 </file>
 
-<file path=ppt/slides/slide14.xml><?xml version="1.0" encoding="utf-8"?>
+<file path=ppt/slides/slide15.xml><?xml version="1.0" encoding="utf-8"?>
 <p:sld xmlns:a="http://schemas.openxmlformats.org/drawingml/2006/main" xmlns:r="http://schemas.openxmlformats.org/officeDocument/2006/relationships" xmlns:p="http://schemas.openxmlformats.org/presentationml/2006/main">
   <p:cSld>
     <p:spTree>
@@ -12082,15 +12293,7 @@
           <a:p>
             <a:r>
               <a:rPr lang="en-US" dirty="0" smtClean="0"/>
-              <a:t>A </a:t>
-            </a:r>
-            <a:r>
-              <a:rPr lang="en-US" dirty="0" smtClean="0"/>
-              <a:t>close look </a:t>
-            </a:r>
-            <a:r>
-              <a:rPr lang="en-US" dirty="0" smtClean="0"/>
-              <a:t>at inverted index</a:t>
+              <a:t>A close look at inverted index</a:t>
             </a:r>
             <a:endParaRPr lang="en-US" dirty="0"/>
           </a:p>
@@ -13874,7 +14077,7 @@
           <a:p>
             <a:fld id="{E83B2413-24D7-4386-9BA0-B9E8B375D28C}" type="slidenum">
               <a:rPr lang="en-US" smtClean="0"/>
-              <a:t>14</a:t>
+              <a:t>15</a:t>
             </a:fld>
             <a:endParaRPr lang="en-US"/>
           </a:p>
@@ -14103,7 +14306,7 @@
 </p:sld>
 </file>
 
-<file path=ppt/slides/slide15.xml><?xml version="1.0" encoding="utf-8"?>
+<file path=ppt/slides/slide16.xml><?xml version="1.0" encoding="utf-8"?>
 <p:sld xmlns:a="http://schemas.openxmlformats.org/drawingml/2006/main" xmlns:r="http://schemas.openxmlformats.org/officeDocument/2006/relationships" xmlns:p="http://schemas.openxmlformats.org/presentationml/2006/main">
   <p:cSld>
     <p:spTree>
@@ -14275,7 +14478,7 @@
           <a:p>
             <a:fld id="{E83B2413-24D7-4386-9BA0-B9E8B375D28C}" type="slidenum">
               <a:rPr lang="en-US" smtClean="0"/>
-              <a:t>15</a:t>
+              <a:t>16</a:t>
             </a:fld>
             <a:endParaRPr lang="en-US"/>
           </a:p>
@@ -14497,7 +14700,7 @@
 </p:sld>
 </file>
 
-<file path=ppt/slides/slide16.xml><?xml version="1.0" encoding="utf-8"?>
+<file path=ppt/slides/slide17.xml><?xml version="1.0" encoding="utf-8"?>
 <p:sld xmlns:a="http://schemas.openxmlformats.org/drawingml/2006/main" xmlns:r="http://schemas.openxmlformats.org/officeDocument/2006/relationships" xmlns:p="http://schemas.openxmlformats.org/presentationml/2006/main">
   <p:cSld>
     <p:spTree>
@@ -14659,7 +14862,7 @@
           <a:p>
             <a:fld id="{E83B2413-24D7-4386-9BA0-B9E8B375D28C}" type="slidenum">
               <a:rPr lang="en-US" smtClean="0"/>
-              <a:t>16</a:t>
+              <a:t>17</a:t>
             </a:fld>
             <a:endParaRPr lang="en-US"/>
           </a:p>
@@ -14685,7 +14888,7 @@
 </p:sld>
 </file>
 
-<file path=ppt/slides/slide17.xml><?xml version="1.0" encoding="utf-8"?>
+<file path=ppt/slides/slide18.xml><?xml version="1.0" encoding="utf-8"?>
 <p:sld xmlns:a="http://schemas.openxmlformats.org/drawingml/2006/main" xmlns:r="http://schemas.openxmlformats.org/officeDocument/2006/relationships" xmlns:p="http://schemas.openxmlformats.org/presentationml/2006/main">
   <p:cSld>
     <p:spTree>
@@ -14817,7 +15020,7 @@
           <a:p>
             <a:fld id="{E83B2413-24D7-4386-9BA0-B9E8B375D28C}" type="slidenum">
               <a:rPr lang="en-US" smtClean="0"/>
-              <a:t>17</a:t>
+              <a:t>18</a:t>
             </a:fld>
             <a:endParaRPr lang="en-US"/>
           </a:p>
@@ -15092,8 +15295,8 @@
           </a:graphicData>
         </a:graphic>
       </p:graphicFrame>
-      <mc:AlternateContent xmlns:mc="http://schemas.openxmlformats.org/markup-compatibility/2006">
-        <mc:Choice xmlns:a14="http://schemas.microsoft.com/office/drawing/2010/main" Requires="a14">
+      <mc:AlternateContent xmlns:mc="http://schemas.openxmlformats.org/markup-compatibility/2006" xmlns:a14="http://schemas.microsoft.com/office/drawing/2010/main">
+        <mc:Choice Requires="a14">
           <p:sp>
             <p:nvSpPr>
               <p:cNvPr id="8" name="TextBox 7"/>
@@ -15116,6 +15319,7 @@
               </a:bodyPr>
               <a:lstStyle/>
               <a:p>
+                <a:pPr/>
                 <a14:m>
                   <m:oMathPara xmlns:m="http://schemas.openxmlformats.org/officeDocument/2006/math">
                     <m:oMathParaPr>
@@ -15256,7 +15460,7 @@
             </p:txBody>
           </p:sp>
         </mc:Choice>
-        <mc:Fallback>
+        <mc:Fallback xmlns="">
           <p:sp>
             <p:nvSpPr>
               <p:cNvPr id="8" name="TextBox 7"/>
@@ -15295,8 +15499,8 @@
           </p:sp>
         </mc:Fallback>
       </mc:AlternateContent>
-      <mc:AlternateContent xmlns:mc="http://schemas.openxmlformats.org/markup-compatibility/2006">
-        <mc:Choice xmlns:a14="http://schemas.microsoft.com/office/drawing/2010/main" Requires="a14">
+      <mc:AlternateContent xmlns:mc="http://schemas.openxmlformats.org/markup-compatibility/2006" xmlns:a14="http://schemas.microsoft.com/office/drawing/2010/main">
+        <mc:Choice Requires="a14">
           <p:sp>
             <p:nvSpPr>
               <p:cNvPr id="9" name="Rectangle 8"/>
@@ -15318,6 +15522,7 @@
               </a:bodyPr>
               <a:lstStyle/>
               <a:p>
+                <a:pPr/>
                 <a14:m>
                   <m:oMathPara xmlns:m="http://schemas.openxmlformats.org/officeDocument/2006/math">
                     <m:oMathParaPr>
@@ -15369,7 +15574,7 @@
             </p:txBody>
           </p:sp>
         </mc:Choice>
-        <mc:Fallback>
+        <mc:Fallback xmlns="">
           <p:sp>
             <p:nvSpPr>
               <p:cNvPr id="9" name="Rectangle 8"/>
@@ -15677,8 +15882,8 @@
           </a:graphicData>
         </a:graphic>
       </p:graphicFrame>
-      <mc:AlternateContent xmlns:mc="http://schemas.openxmlformats.org/markup-compatibility/2006">
-        <mc:Choice xmlns:a14="http://schemas.microsoft.com/office/drawing/2010/main" Requires="a14">
+      <mc:AlternateContent xmlns:mc="http://schemas.openxmlformats.org/markup-compatibility/2006" xmlns:a14="http://schemas.microsoft.com/office/drawing/2010/main">
+        <mc:Choice Requires="a14">
           <p:sp>
             <p:nvSpPr>
               <p:cNvPr id="11" name="Rectangle 10"/>
@@ -15700,6 +15905,7 @@
               </a:bodyPr>
               <a:lstStyle/>
               <a:p>
+                <a:pPr/>
                 <a14:m>
                   <m:oMathPara xmlns:m="http://schemas.openxmlformats.org/officeDocument/2006/math">
                     <m:oMathParaPr>
@@ -15751,7 +15957,7 @@
             </p:txBody>
           </p:sp>
         </mc:Choice>
-        <mc:Fallback>
+        <mc:Fallback xmlns="">
           <p:sp>
             <p:nvSpPr>
               <p:cNvPr id="11" name="Rectangle 10"/>
@@ -16059,8 +16265,8 @@
           </a:graphicData>
         </a:graphic>
       </p:graphicFrame>
-      <mc:AlternateContent xmlns:mc="http://schemas.openxmlformats.org/markup-compatibility/2006">
-        <mc:Choice xmlns:a14="http://schemas.microsoft.com/office/drawing/2010/main" Requires="a14">
+      <mc:AlternateContent xmlns:mc="http://schemas.openxmlformats.org/markup-compatibility/2006" xmlns:a14="http://schemas.microsoft.com/office/drawing/2010/main">
+        <mc:Choice Requires="a14">
           <p:sp>
             <p:nvSpPr>
               <p:cNvPr id="13" name="Rectangle 12"/>
@@ -16082,6 +16288,7 @@
               </a:bodyPr>
               <a:lstStyle/>
               <a:p>
+                <a:pPr/>
                 <a14:m>
                   <m:oMathPara xmlns:m="http://schemas.openxmlformats.org/officeDocument/2006/math">
                     <m:oMathParaPr>
@@ -16145,7 +16352,7 @@
             </p:txBody>
           </p:sp>
         </mc:Choice>
-        <mc:Fallback>
+        <mc:Fallback xmlns="">
           <p:sp>
             <p:nvSpPr>
               <p:cNvPr id="13" name="Rectangle 12"/>
@@ -16567,7 +16774,7 @@
 </p:sld>
 </file>
 
-<file path=ppt/slides/slide18.xml><?xml version="1.0" encoding="utf-8"?>
+<file path=ppt/slides/slide19.xml><?xml version="1.0" encoding="utf-8"?>
 <p:sld xmlns:a="http://schemas.openxmlformats.org/drawingml/2006/main" xmlns:r="http://schemas.openxmlformats.org/officeDocument/2006/relationships" xmlns:p="http://schemas.openxmlformats.org/presentationml/2006/main">
   <p:cSld>
     <p:spTree>
@@ -16785,7 +16992,7 @@
           <a:p>
             <a:fld id="{E83B2413-24D7-4386-9BA0-B9E8B375D28C}" type="slidenum">
               <a:rPr lang="en-US" smtClean="0"/>
-              <a:t>18</a:t>
+              <a:t>19</a:t>
             </a:fld>
             <a:endParaRPr lang="en-US"/>
           </a:p>
@@ -17038,224 +17245,6 @@
     <p:bldLst>
       <p:bldP spid="30" grpId="0"/>
     </p:bldLst>
-  </p:timing>
-</p:sld>
-</file>
-
-<file path=ppt/slides/slide19.xml><?xml version="1.0" encoding="utf-8"?>
-<p:sld xmlns:a="http://schemas.openxmlformats.org/drawingml/2006/main" xmlns:r="http://schemas.openxmlformats.org/officeDocument/2006/relationships" xmlns:p="http://schemas.openxmlformats.org/presentationml/2006/main">
-  <p:cSld>
-    <p:spTree>
-      <p:nvGrpSpPr>
-        <p:cNvPr id="1" name=""/>
-        <p:cNvGrpSpPr/>
-        <p:nvPr/>
-      </p:nvGrpSpPr>
-      <p:grpSpPr>
-        <a:xfrm>
-          <a:off x="0" y="0"/>
-          <a:ext cx="0" cy="0"/>
-          <a:chOff x="0" y="0"/>
-          <a:chExt cx="0" cy="0"/>
-        </a:xfrm>
-      </p:grpSpPr>
-      <p:sp>
-        <p:nvSpPr>
-          <p:cNvPr id="2" name="Title 1"/>
-          <p:cNvSpPr>
-            <a:spLocks noGrp="1"/>
-          </p:cNvSpPr>
-          <p:nvPr>
-            <p:ph type="title"/>
-          </p:nvPr>
-        </p:nvSpPr>
-        <p:spPr/>
-        <p:txBody>
-          <a:bodyPr/>
-          <a:lstStyle/>
-          <a:p>
-            <a:r>
-              <a:rPr lang="en-US" dirty="0" smtClean="0"/>
-              <a:t>Index compression</a:t>
-            </a:r>
-            <a:endParaRPr lang="en-US" dirty="0"/>
-          </a:p>
-        </p:txBody>
-      </p:sp>
-      <p:sp>
-        <p:nvSpPr>
-          <p:cNvPr id="3" name="Content Placeholder 2"/>
-          <p:cNvSpPr>
-            <a:spLocks noGrp="1"/>
-          </p:cNvSpPr>
-          <p:nvPr>
-            <p:ph idx="1"/>
-          </p:nvPr>
-        </p:nvSpPr>
-        <p:spPr/>
-        <p:txBody>
-          <a:bodyPr>
-            <a:normAutofit lnSpcReduction="10000"/>
-          </a:bodyPr>
-          <a:lstStyle/>
-          <a:p>
-            <a:r>
-              <a:rPr lang="en-US" dirty="0" smtClean="0"/>
-              <a:t>Solution</a:t>
-            </a:r>
-          </a:p>
-          <a:p>
-            <a:pPr lvl="1"/>
-            <a:r>
-              <a:rPr lang="en-US" dirty="0" smtClean="0"/>
-              <a:t>Fewer bits to encode small (high frequency) integers</a:t>
-            </a:r>
-          </a:p>
-          <a:p>
-            <a:pPr lvl="1"/>
-            <a:r>
-              <a:rPr lang="en-US" dirty="0" smtClean="0"/>
-              <a:t>Variable-length coding</a:t>
-            </a:r>
-          </a:p>
-          <a:p>
-            <a:pPr lvl="2"/>
-            <a:r>
-              <a:rPr lang="en-US" altLang="en-US" dirty="0" smtClean="0"/>
-              <a:t>Unary: x</a:t>
-            </a:r>
-            <a:r>
-              <a:rPr lang="en-US" altLang="en-US" dirty="0" smtClean="0">
-                <a:sym typeface="Symbol" pitchFamily="18" charset="2"/>
-              </a:rPr>
-              <a:t>1</a:t>
-            </a:r>
-            <a:r>
-              <a:rPr lang="en-US" altLang="en-US" dirty="0" smtClean="0"/>
-              <a:t> is coded as x-1 bits of 1 followed by 0, e.g., 3=&gt; 110; 5=&gt;11110</a:t>
-            </a:r>
-          </a:p>
-          <a:p>
-            <a:pPr lvl="2"/>
-            <a:r>
-              <a:rPr lang="en-US" altLang="en-US" dirty="0" smtClean="0">
-                <a:sym typeface="Symbol" pitchFamily="18" charset="2"/>
-              </a:rPr>
-              <a:t>-code: x=&gt; unary code for 1+log x followed by  uniform code for x-2 </a:t>
-            </a:r>
-            <a:r>
-              <a:rPr lang="en-US" altLang="en-US" baseline="30000" dirty="0" smtClean="0">
-                <a:sym typeface="Symbol" pitchFamily="18" charset="2"/>
-              </a:rPr>
-              <a:t>log x</a:t>
-            </a:r>
-            <a:r>
-              <a:rPr lang="en-US" altLang="en-US" dirty="0" smtClean="0">
-                <a:sym typeface="Symbol" pitchFamily="18" charset="2"/>
-              </a:rPr>
-              <a:t> in log x  bits, e.g., 3=&gt;101, 5=&gt;11001</a:t>
-            </a:r>
-          </a:p>
-          <a:p>
-            <a:pPr lvl="2"/>
-            <a:r>
-              <a:rPr lang="en-US" altLang="en-US" dirty="0" smtClean="0">
-                <a:sym typeface="Symbol" pitchFamily="18" charset="2"/>
-              </a:rPr>
-              <a:t>-code: same as -code ,but replace the unary prefix with -code. E.g., 3=&gt;1001, 5=&gt;10101</a:t>
-            </a:r>
-          </a:p>
-          <a:p>
-            <a:pPr lvl="1"/>
-            <a:endParaRPr lang="en-US" dirty="0"/>
-          </a:p>
-        </p:txBody>
-      </p:sp>
-      <p:sp>
-        <p:nvSpPr>
-          <p:cNvPr id="7" name="Date Placeholder 6"/>
-          <p:cNvSpPr>
-            <a:spLocks noGrp="1"/>
-          </p:cNvSpPr>
-          <p:nvPr>
-            <p:ph type="dt" sz="half" idx="10"/>
-          </p:nvPr>
-        </p:nvSpPr>
-        <p:spPr/>
-        <p:txBody>
-          <a:bodyPr/>
-          <a:lstStyle/>
-          <a:p>
-            <a:r>
-              <a:rPr lang="en-US" smtClean="0"/>
-              <a:t>CS@UVa</a:t>
-            </a:r>
-            <a:endParaRPr lang="en-US"/>
-          </a:p>
-        </p:txBody>
-      </p:sp>
-      <p:sp>
-        <p:nvSpPr>
-          <p:cNvPr id="8" name="Footer Placeholder 7"/>
-          <p:cNvSpPr>
-            <a:spLocks noGrp="1"/>
-          </p:cNvSpPr>
-          <p:nvPr>
-            <p:ph type="ftr" sz="quarter" idx="11"/>
-          </p:nvPr>
-        </p:nvSpPr>
-        <p:spPr/>
-        <p:txBody>
-          <a:bodyPr/>
-          <a:lstStyle/>
-          <a:p>
-            <a:r>
-              <a:rPr lang="en-US" smtClean="0"/>
-              <a:t>CS4501: Information Retrieval</a:t>
-            </a:r>
-            <a:endParaRPr lang="en-US"/>
-          </a:p>
-        </p:txBody>
-      </p:sp>
-      <p:sp>
-        <p:nvSpPr>
-          <p:cNvPr id="9" name="Slide Number Placeholder 8"/>
-          <p:cNvSpPr>
-            <a:spLocks noGrp="1"/>
-          </p:cNvSpPr>
-          <p:nvPr>
-            <p:ph type="sldNum" sz="quarter" idx="12"/>
-          </p:nvPr>
-        </p:nvSpPr>
-        <p:spPr/>
-        <p:txBody>
-          <a:bodyPr/>
-          <a:lstStyle/>
-          <a:p>
-            <a:fld id="{E83B2413-24D7-4386-9BA0-B9E8B375D28C}" type="slidenum">
-              <a:rPr lang="en-US" smtClean="0"/>
-              <a:t>19</a:t>
-            </a:fld>
-            <a:endParaRPr lang="en-US"/>
-          </a:p>
-        </p:txBody>
-      </p:sp>
-    </p:spTree>
-    <p:extLst>
-      <p:ext uri="{BB962C8B-B14F-4D97-AF65-F5344CB8AC3E}">
-        <p14:creationId xmlns:p14="http://schemas.microsoft.com/office/powerpoint/2010/main" val="2095558098"/>
-      </p:ext>
-    </p:extLst>
-  </p:cSld>
-  <p:clrMapOvr>
-    <a:masterClrMapping/>
-  </p:clrMapOvr>
-  <p:timing>
-    <p:tnLst>
-      <p:par>
-        <p:cTn id="1" dur="indefinite" restart="never" nodeType="tmRoot"/>
-      </p:par>
-    </p:tnLst>
   </p:timing>
 </p:sld>
 </file>
@@ -23229,6 +23218,224 @@
           <a:lstStyle/>
           <a:p>
             <a:r>
+              <a:rPr lang="en-US" dirty="0" smtClean="0"/>
+              <a:t>Index compression</a:t>
+            </a:r>
+            <a:endParaRPr lang="en-US" dirty="0"/>
+          </a:p>
+        </p:txBody>
+      </p:sp>
+      <p:sp>
+        <p:nvSpPr>
+          <p:cNvPr id="3" name="Content Placeholder 2"/>
+          <p:cNvSpPr>
+            <a:spLocks noGrp="1"/>
+          </p:cNvSpPr>
+          <p:nvPr>
+            <p:ph idx="1"/>
+          </p:nvPr>
+        </p:nvSpPr>
+        <p:spPr/>
+        <p:txBody>
+          <a:bodyPr>
+            <a:normAutofit lnSpcReduction="10000"/>
+          </a:bodyPr>
+          <a:lstStyle/>
+          <a:p>
+            <a:r>
+              <a:rPr lang="en-US" dirty="0" smtClean="0"/>
+              <a:t>Solution</a:t>
+            </a:r>
+          </a:p>
+          <a:p>
+            <a:pPr lvl="1"/>
+            <a:r>
+              <a:rPr lang="en-US" dirty="0" smtClean="0"/>
+              <a:t>Fewer bits to encode small (high frequency) integers</a:t>
+            </a:r>
+          </a:p>
+          <a:p>
+            <a:pPr lvl="1"/>
+            <a:r>
+              <a:rPr lang="en-US" dirty="0" smtClean="0"/>
+              <a:t>Variable-length coding</a:t>
+            </a:r>
+          </a:p>
+          <a:p>
+            <a:pPr lvl="2"/>
+            <a:r>
+              <a:rPr lang="en-US" altLang="en-US" dirty="0" smtClean="0"/>
+              <a:t>Unary: x</a:t>
+            </a:r>
+            <a:r>
+              <a:rPr lang="en-US" altLang="en-US" dirty="0" smtClean="0">
+                <a:sym typeface="Symbol" pitchFamily="18" charset="2"/>
+              </a:rPr>
+              <a:t>1</a:t>
+            </a:r>
+            <a:r>
+              <a:rPr lang="en-US" altLang="en-US" dirty="0" smtClean="0"/>
+              <a:t> is coded as x-1 bits of 1 followed by 0, e.g., 3=&gt; 110; 5=&gt;11110</a:t>
+            </a:r>
+          </a:p>
+          <a:p>
+            <a:pPr lvl="2"/>
+            <a:r>
+              <a:rPr lang="en-US" altLang="en-US" dirty="0" smtClean="0">
+                <a:sym typeface="Symbol" pitchFamily="18" charset="2"/>
+              </a:rPr>
+              <a:t>-code: x=&gt; unary code for 1+log x followed by  uniform code for x-2 </a:t>
+            </a:r>
+            <a:r>
+              <a:rPr lang="en-US" altLang="en-US" baseline="30000" dirty="0" smtClean="0">
+                <a:sym typeface="Symbol" pitchFamily="18" charset="2"/>
+              </a:rPr>
+              <a:t>log x</a:t>
+            </a:r>
+            <a:r>
+              <a:rPr lang="en-US" altLang="en-US" dirty="0" smtClean="0">
+                <a:sym typeface="Symbol" pitchFamily="18" charset="2"/>
+              </a:rPr>
+              <a:t> in log x  bits, e.g., 3=&gt;101, 5=&gt;11001</a:t>
+            </a:r>
+          </a:p>
+          <a:p>
+            <a:pPr lvl="2"/>
+            <a:r>
+              <a:rPr lang="en-US" altLang="en-US" dirty="0" smtClean="0">
+                <a:sym typeface="Symbol" pitchFamily="18" charset="2"/>
+              </a:rPr>
+              <a:t>-code: same as -code ,but replace the unary prefix with -code. E.g., 3=&gt;1001, 5=&gt;10101</a:t>
+            </a:r>
+          </a:p>
+          <a:p>
+            <a:pPr lvl="1"/>
+            <a:endParaRPr lang="en-US" dirty="0"/>
+          </a:p>
+        </p:txBody>
+      </p:sp>
+      <p:sp>
+        <p:nvSpPr>
+          <p:cNvPr id="7" name="Date Placeholder 6"/>
+          <p:cNvSpPr>
+            <a:spLocks noGrp="1"/>
+          </p:cNvSpPr>
+          <p:nvPr>
+            <p:ph type="dt" sz="half" idx="10"/>
+          </p:nvPr>
+        </p:nvSpPr>
+        <p:spPr/>
+        <p:txBody>
+          <a:bodyPr/>
+          <a:lstStyle/>
+          <a:p>
+            <a:r>
+              <a:rPr lang="en-US" smtClean="0"/>
+              <a:t>CS@UVa</a:t>
+            </a:r>
+            <a:endParaRPr lang="en-US"/>
+          </a:p>
+        </p:txBody>
+      </p:sp>
+      <p:sp>
+        <p:nvSpPr>
+          <p:cNvPr id="8" name="Footer Placeholder 7"/>
+          <p:cNvSpPr>
+            <a:spLocks noGrp="1"/>
+          </p:cNvSpPr>
+          <p:nvPr>
+            <p:ph type="ftr" sz="quarter" idx="11"/>
+          </p:nvPr>
+        </p:nvSpPr>
+        <p:spPr/>
+        <p:txBody>
+          <a:bodyPr/>
+          <a:lstStyle/>
+          <a:p>
+            <a:r>
+              <a:rPr lang="en-US" smtClean="0"/>
+              <a:t>CS4501: Information Retrieval</a:t>
+            </a:r>
+            <a:endParaRPr lang="en-US"/>
+          </a:p>
+        </p:txBody>
+      </p:sp>
+      <p:sp>
+        <p:nvSpPr>
+          <p:cNvPr id="9" name="Slide Number Placeholder 8"/>
+          <p:cNvSpPr>
+            <a:spLocks noGrp="1"/>
+          </p:cNvSpPr>
+          <p:nvPr>
+            <p:ph type="sldNum" sz="quarter" idx="12"/>
+          </p:nvPr>
+        </p:nvSpPr>
+        <p:spPr/>
+        <p:txBody>
+          <a:bodyPr/>
+          <a:lstStyle/>
+          <a:p>
+            <a:fld id="{E83B2413-24D7-4386-9BA0-B9E8B375D28C}" type="slidenum">
+              <a:rPr lang="en-US" smtClean="0"/>
+              <a:t>20</a:t>
+            </a:fld>
+            <a:endParaRPr lang="en-US"/>
+          </a:p>
+        </p:txBody>
+      </p:sp>
+    </p:spTree>
+    <p:extLst>
+      <p:ext uri="{BB962C8B-B14F-4D97-AF65-F5344CB8AC3E}">
+        <p14:creationId xmlns:p14="http://schemas.microsoft.com/office/powerpoint/2010/main" val="2095558098"/>
+      </p:ext>
+    </p:extLst>
+  </p:cSld>
+  <p:clrMapOvr>
+    <a:masterClrMapping/>
+  </p:clrMapOvr>
+  <p:timing>
+    <p:tnLst>
+      <p:par>
+        <p:cTn id="1" dur="indefinite" restart="never" nodeType="tmRoot"/>
+      </p:par>
+    </p:tnLst>
+  </p:timing>
+</p:sld>
+</file>
+
+<file path=ppt/slides/slide21.xml><?xml version="1.0" encoding="utf-8"?>
+<p:sld xmlns:a="http://schemas.openxmlformats.org/drawingml/2006/main" xmlns:r="http://schemas.openxmlformats.org/officeDocument/2006/relationships" xmlns:p="http://schemas.openxmlformats.org/presentationml/2006/main">
+  <p:cSld>
+    <p:spTree>
+      <p:nvGrpSpPr>
+        <p:cNvPr id="1" name=""/>
+        <p:cNvGrpSpPr/>
+        <p:nvPr/>
+      </p:nvGrpSpPr>
+      <p:grpSpPr>
+        <a:xfrm>
+          <a:off x="0" y="0"/>
+          <a:ext cx="0" cy="0"/>
+          <a:chOff x="0" y="0"/>
+          <a:chExt cx="0" cy="0"/>
+        </a:xfrm>
+      </p:grpSpPr>
+      <p:sp>
+        <p:nvSpPr>
+          <p:cNvPr id="2" name="Title 1"/>
+          <p:cNvSpPr>
+            <a:spLocks noGrp="1"/>
+          </p:cNvSpPr>
+          <p:nvPr>
+            <p:ph type="title"/>
+          </p:nvPr>
+        </p:nvSpPr>
+        <p:spPr/>
+        <p:txBody>
+          <a:bodyPr/>
+          <a:lstStyle/>
+          <a:p>
+            <a:r>
               <a:rPr lang="en-US" dirty="0"/>
               <a:t>Index compression</a:t>
             </a:r>
@@ -23321,7 +23528,7 @@
           <a:p>
             <a:fld id="{E83B2413-24D7-4386-9BA0-B9E8B375D28C}" type="slidenum">
               <a:rPr lang="en-US" smtClean="0"/>
-              <a:t>20</a:t>
+              <a:t>21</a:t>
             </a:fld>
             <a:endParaRPr lang="en-US"/>
           </a:p>
@@ -23608,201 +23815,6 @@
 </p:sld>
 </file>
 
-<file path=ppt/slides/slide21.xml><?xml version="1.0" encoding="utf-8"?>
-<p:sld xmlns:a="http://schemas.openxmlformats.org/drawingml/2006/main" xmlns:r="http://schemas.openxmlformats.org/officeDocument/2006/relationships" xmlns:p="http://schemas.openxmlformats.org/presentationml/2006/main">
-  <p:cSld>
-    <p:spTree>
-      <p:nvGrpSpPr>
-        <p:cNvPr id="1" name=""/>
-        <p:cNvGrpSpPr/>
-        <p:nvPr/>
-      </p:nvGrpSpPr>
-      <p:grpSpPr>
-        <a:xfrm>
-          <a:off x="0" y="0"/>
-          <a:ext cx="0" cy="0"/>
-          <a:chOff x="0" y="0"/>
-          <a:chExt cx="0" cy="0"/>
-        </a:xfrm>
-      </p:grpSpPr>
-      <p:sp>
-        <p:nvSpPr>
-          <p:cNvPr id="2" name="Title 1"/>
-          <p:cNvSpPr>
-            <a:spLocks noGrp="1"/>
-          </p:cNvSpPr>
-          <p:nvPr>
-            <p:ph type="title"/>
-          </p:nvPr>
-        </p:nvSpPr>
-        <p:spPr/>
-        <p:txBody>
-          <a:bodyPr/>
-          <a:lstStyle/>
-          <a:p>
-            <a:r>
-              <a:rPr lang="en-US" dirty="0" smtClean="0"/>
-              <a:t>Search within in inverted index</a:t>
-            </a:r>
-            <a:endParaRPr lang="en-US" dirty="0"/>
-          </a:p>
-        </p:txBody>
-      </p:sp>
-      <p:sp>
-        <p:nvSpPr>
-          <p:cNvPr id="3" name="Content Placeholder 2"/>
-          <p:cNvSpPr>
-            <a:spLocks noGrp="1"/>
-          </p:cNvSpPr>
-          <p:nvPr>
-            <p:ph idx="1"/>
-          </p:nvPr>
-        </p:nvSpPr>
-        <p:spPr/>
-        <p:txBody>
-          <a:bodyPr/>
-          <a:lstStyle/>
-          <a:p>
-            <a:r>
-              <a:rPr lang="en-US" dirty="0" smtClean="0"/>
-              <a:t>Query processing</a:t>
-            </a:r>
-          </a:p>
-          <a:p>
-            <a:pPr lvl="1"/>
-            <a:r>
-              <a:rPr lang="en-US" dirty="0" smtClean="0"/>
-              <a:t>Parse query syntax</a:t>
-            </a:r>
-          </a:p>
-          <a:p>
-            <a:pPr lvl="2"/>
-            <a:r>
-              <a:rPr lang="en-US" dirty="0" smtClean="0"/>
-              <a:t>E.g., Barack AND Obama, orange OR apple</a:t>
-            </a:r>
-          </a:p>
-          <a:p>
-            <a:pPr lvl="1"/>
-            <a:r>
-              <a:rPr lang="en-US" dirty="0" smtClean="0"/>
-              <a:t>Perform the same processing procedures as on documents to the input query</a:t>
-            </a:r>
-          </a:p>
-          <a:p>
-            <a:pPr lvl="2"/>
-            <a:r>
-              <a:rPr lang="en-US" dirty="0" smtClean="0"/>
-              <a:t>Tokenization-&gt;normalization-&gt;stemming-&gt;</a:t>
-            </a:r>
-            <a:r>
-              <a:rPr lang="en-US" dirty="0" err="1" smtClean="0"/>
-              <a:t>stopwords</a:t>
-            </a:r>
-            <a:r>
-              <a:rPr lang="en-US" dirty="0" smtClean="0"/>
-              <a:t> removal</a:t>
-            </a:r>
-          </a:p>
-          <a:p>
-            <a:pPr lvl="1"/>
-            <a:endParaRPr lang="en-US" dirty="0" smtClean="0"/>
-          </a:p>
-          <a:p>
-            <a:pPr lvl="1"/>
-            <a:endParaRPr lang="en-US" dirty="0"/>
-          </a:p>
-        </p:txBody>
-      </p:sp>
-      <p:sp>
-        <p:nvSpPr>
-          <p:cNvPr id="4" name="Date Placeholder 3"/>
-          <p:cNvSpPr>
-            <a:spLocks noGrp="1"/>
-          </p:cNvSpPr>
-          <p:nvPr>
-            <p:ph type="dt" sz="half" idx="10"/>
-          </p:nvPr>
-        </p:nvSpPr>
-        <p:spPr/>
-        <p:txBody>
-          <a:bodyPr/>
-          <a:lstStyle/>
-          <a:p>
-            <a:r>
-              <a:rPr lang="en-US" smtClean="0"/>
-              <a:t>CS@UVa</a:t>
-            </a:r>
-            <a:endParaRPr lang="en-US"/>
-          </a:p>
-        </p:txBody>
-      </p:sp>
-      <p:sp>
-        <p:nvSpPr>
-          <p:cNvPr id="5" name="Footer Placeholder 4"/>
-          <p:cNvSpPr>
-            <a:spLocks noGrp="1"/>
-          </p:cNvSpPr>
-          <p:nvPr>
-            <p:ph type="ftr" sz="quarter" idx="11"/>
-          </p:nvPr>
-        </p:nvSpPr>
-        <p:spPr/>
-        <p:txBody>
-          <a:bodyPr/>
-          <a:lstStyle/>
-          <a:p>
-            <a:r>
-              <a:rPr lang="en-US" smtClean="0"/>
-              <a:t>CS4501: Information Retrieval</a:t>
-            </a:r>
-            <a:endParaRPr lang="en-US"/>
-          </a:p>
-        </p:txBody>
-      </p:sp>
-      <p:sp>
-        <p:nvSpPr>
-          <p:cNvPr id="6" name="Slide Number Placeholder 5"/>
-          <p:cNvSpPr>
-            <a:spLocks noGrp="1"/>
-          </p:cNvSpPr>
-          <p:nvPr>
-            <p:ph type="sldNum" sz="quarter" idx="12"/>
-          </p:nvPr>
-        </p:nvSpPr>
-        <p:spPr/>
-        <p:txBody>
-          <a:bodyPr/>
-          <a:lstStyle/>
-          <a:p>
-            <a:fld id="{E83B2413-24D7-4386-9BA0-B9E8B375D28C}" type="slidenum">
-              <a:rPr lang="en-US" smtClean="0"/>
-              <a:t>21</a:t>
-            </a:fld>
-            <a:endParaRPr lang="en-US"/>
-          </a:p>
-        </p:txBody>
-      </p:sp>
-    </p:spTree>
-    <p:extLst>
-      <p:ext uri="{BB962C8B-B14F-4D97-AF65-F5344CB8AC3E}">
-        <p14:creationId xmlns:p14="http://schemas.microsoft.com/office/powerpoint/2010/main" val="2364366487"/>
-      </p:ext>
-    </p:extLst>
-  </p:cSld>
-  <p:clrMapOvr>
-    <a:masterClrMapping/>
-  </p:clrMapOvr>
-  <p:timing>
-    <p:tnLst>
-      <p:par>
-        <p:cTn id="1" dur="indefinite" restart="never" nodeType="tmRoot"/>
-      </p:par>
-    </p:tnLst>
-  </p:timing>
-</p:sld>
-</file>
-
 <file path=ppt/slides/slide22.xml><?xml version="1.0" encoding="utf-8"?>
 <p:sld xmlns:a="http://schemas.openxmlformats.org/drawingml/2006/main" xmlns:r="http://schemas.openxmlformats.org/officeDocument/2006/relationships" xmlns:p="http://schemas.openxmlformats.org/presentationml/2006/main">
   <p:cSld>
@@ -23860,50 +23872,51 @@
           <a:p>
             <a:r>
               <a:rPr lang="en-US" dirty="0" smtClean="0"/>
-              <a:t>Procedures</a:t>
+              <a:t>Query processing</a:t>
             </a:r>
           </a:p>
           <a:p>
             <a:pPr lvl="1"/>
             <a:r>
               <a:rPr lang="en-US" dirty="0" smtClean="0"/>
-              <a:t>Lookup query term in the dictionary</a:t>
+              <a:t>Parse query syntax</a:t>
+            </a:r>
+          </a:p>
+          <a:p>
+            <a:pPr lvl="2"/>
+            <a:r>
+              <a:rPr lang="en-US" dirty="0" smtClean="0"/>
+              <a:t>E.g., Barack AND Obama, orange OR apple</a:t>
             </a:r>
           </a:p>
           <a:p>
             <a:pPr lvl="1"/>
             <a:r>
               <a:rPr lang="en-US" dirty="0" smtClean="0"/>
-              <a:t>Retrieve the posting lists</a:t>
+              <a:t>Perform the same processing procedures as on documents to the input query</a:t>
+            </a:r>
+          </a:p>
+          <a:p>
+            <a:pPr lvl="2"/>
+            <a:r>
+              <a:rPr lang="en-US" dirty="0" smtClean="0"/>
+              <a:t>Tokenization-&gt;normalization-&gt;stemming-&gt;</a:t>
+            </a:r>
+            <a:r>
+              <a:rPr lang="en-US" dirty="0" err="1" smtClean="0"/>
+              <a:t>stopwords</a:t>
+            </a:r>
+            <a:r>
+              <a:rPr lang="en-US" dirty="0" smtClean="0"/>
+              <a:t> removal</a:t>
             </a:r>
           </a:p>
           <a:p>
             <a:pPr lvl="1"/>
-            <a:r>
-              <a:rPr lang="en-US" dirty="0" smtClean="0"/>
-              <a:t>Operation</a:t>
-            </a:r>
-          </a:p>
-          <a:p>
-            <a:pPr lvl="2"/>
-            <a:r>
-              <a:rPr lang="en-US" dirty="0" smtClean="0"/>
-              <a:t>AND: intersect the posting lists</a:t>
-            </a:r>
-          </a:p>
-          <a:p>
-            <a:pPr lvl="2"/>
-            <a:r>
-              <a:rPr lang="en-US" dirty="0" smtClean="0"/>
-              <a:t>OR: union the posting list</a:t>
-            </a:r>
-          </a:p>
-          <a:p>
-            <a:pPr lvl="2"/>
-            <a:r>
-              <a:rPr lang="en-US" dirty="0" smtClean="0"/>
-              <a:t>NOT: diff the posting list</a:t>
-            </a:r>
+            <a:endParaRPr lang="en-US" dirty="0" smtClean="0"/>
+          </a:p>
+          <a:p>
+            <a:pPr lvl="1"/>
             <a:endParaRPr lang="en-US" dirty="0"/>
           </a:p>
         </p:txBody>
@@ -23980,7 +23993,7 @@
     </p:spTree>
     <p:extLst>
       <p:ext uri="{BB962C8B-B14F-4D97-AF65-F5344CB8AC3E}">
-        <p14:creationId xmlns:p14="http://schemas.microsoft.com/office/powerpoint/2010/main" val="3745596746"/>
+        <p14:creationId xmlns:p14="http://schemas.microsoft.com/office/powerpoint/2010/main" val="2364366487"/>
       </p:ext>
     </p:extLst>
   </p:cSld>
@@ -24031,7 +24044,217 @@
           <a:p>
             <a:r>
               <a:rPr lang="en-US" dirty="0" smtClean="0"/>
-              <a:t>Search within in inverted index</a:t>
+              <a:t>Search within </a:t>
+            </a:r>
+            <a:r>
+              <a:rPr lang="en-US" dirty="0" smtClean="0"/>
+              <a:t>inverted </a:t>
+            </a:r>
+            <a:r>
+              <a:rPr lang="en-US" dirty="0" smtClean="0"/>
+              <a:t>index</a:t>
+            </a:r>
+            <a:endParaRPr lang="en-US" dirty="0"/>
+          </a:p>
+        </p:txBody>
+      </p:sp>
+      <p:sp>
+        <p:nvSpPr>
+          <p:cNvPr id="3" name="Content Placeholder 2"/>
+          <p:cNvSpPr>
+            <a:spLocks noGrp="1"/>
+          </p:cNvSpPr>
+          <p:nvPr>
+            <p:ph idx="1"/>
+          </p:nvPr>
+        </p:nvSpPr>
+        <p:spPr/>
+        <p:txBody>
+          <a:bodyPr/>
+          <a:lstStyle/>
+          <a:p>
+            <a:r>
+              <a:rPr lang="en-US" dirty="0" smtClean="0"/>
+              <a:t>Procedures</a:t>
+            </a:r>
+          </a:p>
+          <a:p>
+            <a:pPr lvl="1"/>
+            <a:r>
+              <a:rPr lang="en-US" dirty="0" smtClean="0"/>
+              <a:t>Lookup query term in the dictionary</a:t>
+            </a:r>
+          </a:p>
+          <a:p>
+            <a:pPr lvl="1"/>
+            <a:r>
+              <a:rPr lang="en-US" dirty="0" smtClean="0"/>
+              <a:t>Retrieve the posting lists</a:t>
+            </a:r>
+          </a:p>
+          <a:p>
+            <a:pPr lvl="1"/>
+            <a:r>
+              <a:rPr lang="en-US" dirty="0" smtClean="0"/>
+              <a:t>Operation</a:t>
+            </a:r>
+          </a:p>
+          <a:p>
+            <a:pPr lvl="2"/>
+            <a:r>
+              <a:rPr lang="en-US" dirty="0" smtClean="0"/>
+              <a:t>AND: intersect the posting lists</a:t>
+            </a:r>
+          </a:p>
+          <a:p>
+            <a:pPr lvl="2"/>
+            <a:r>
+              <a:rPr lang="en-US" dirty="0" smtClean="0"/>
+              <a:t>OR: union the posting list</a:t>
+            </a:r>
+          </a:p>
+          <a:p>
+            <a:pPr lvl="2"/>
+            <a:r>
+              <a:rPr lang="en-US" dirty="0" smtClean="0"/>
+              <a:t>NOT: diff the posting list</a:t>
+            </a:r>
+            <a:endParaRPr lang="en-US" dirty="0"/>
+          </a:p>
+        </p:txBody>
+      </p:sp>
+      <p:sp>
+        <p:nvSpPr>
+          <p:cNvPr id="4" name="Date Placeholder 3"/>
+          <p:cNvSpPr>
+            <a:spLocks noGrp="1"/>
+          </p:cNvSpPr>
+          <p:nvPr>
+            <p:ph type="dt" sz="half" idx="10"/>
+          </p:nvPr>
+        </p:nvSpPr>
+        <p:spPr/>
+        <p:txBody>
+          <a:bodyPr/>
+          <a:lstStyle/>
+          <a:p>
+            <a:r>
+              <a:rPr lang="en-US" smtClean="0"/>
+              <a:t>CS@UVa</a:t>
+            </a:r>
+            <a:endParaRPr lang="en-US"/>
+          </a:p>
+        </p:txBody>
+      </p:sp>
+      <p:sp>
+        <p:nvSpPr>
+          <p:cNvPr id="5" name="Footer Placeholder 4"/>
+          <p:cNvSpPr>
+            <a:spLocks noGrp="1"/>
+          </p:cNvSpPr>
+          <p:nvPr>
+            <p:ph type="ftr" sz="quarter" idx="11"/>
+          </p:nvPr>
+        </p:nvSpPr>
+        <p:spPr/>
+        <p:txBody>
+          <a:bodyPr/>
+          <a:lstStyle/>
+          <a:p>
+            <a:r>
+              <a:rPr lang="en-US" smtClean="0"/>
+              <a:t>CS4501: Information Retrieval</a:t>
+            </a:r>
+            <a:endParaRPr lang="en-US"/>
+          </a:p>
+        </p:txBody>
+      </p:sp>
+      <p:sp>
+        <p:nvSpPr>
+          <p:cNvPr id="6" name="Slide Number Placeholder 5"/>
+          <p:cNvSpPr>
+            <a:spLocks noGrp="1"/>
+          </p:cNvSpPr>
+          <p:nvPr>
+            <p:ph type="sldNum" sz="quarter" idx="12"/>
+          </p:nvPr>
+        </p:nvSpPr>
+        <p:spPr/>
+        <p:txBody>
+          <a:bodyPr/>
+          <a:lstStyle/>
+          <a:p>
+            <a:fld id="{E83B2413-24D7-4386-9BA0-B9E8B375D28C}" type="slidenum">
+              <a:rPr lang="en-US" smtClean="0"/>
+              <a:t>23</a:t>
+            </a:fld>
+            <a:endParaRPr lang="en-US"/>
+          </a:p>
+        </p:txBody>
+      </p:sp>
+    </p:spTree>
+    <p:extLst>
+      <p:ext uri="{BB962C8B-B14F-4D97-AF65-F5344CB8AC3E}">
+        <p14:creationId xmlns:p14="http://schemas.microsoft.com/office/powerpoint/2010/main" val="3745596746"/>
+      </p:ext>
+    </p:extLst>
+  </p:cSld>
+  <p:clrMapOvr>
+    <a:masterClrMapping/>
+  </p:clrMapOvr>
+  <p:timing>
+    <p:tnLst>
+      <p:par>
+        <p:cTn id="1" dur="indefinite" restart="never" nodeType="tmRoot"/>
+      </p:par>
+    </p:tnLst>
+  </p:timing>
+</p:sld>
+</file>
+
+<file path=ppt/slides/slide24.xml><?xml version="1.0" encoding="utf-8"?>
+<p:sld xmlns:a="http://schemas.openxmlformats.org/drawingml/2006/main" xmlns:r="http://schemas.openxmlformats.org/officeDocument/2006/relationships" xmlns:p="http://schemas.openxmlformats.org/presentationml/2006/main">
+  <p:cSld>
+    <p:spTree>
+      <p:nvGrpSpPr>
+        <p:cNvPr id="1" name=""/>
+        <p:cNvGrpSpPr/>
+        <p:nvPr/>
+      </p:nvGrpSpPr>
+      <p:grpSpPr>
+        <a:xfrm>
+          <a:off x="0" y="0"/>
+          <a:ext cx="0" cy="0"/>
+          <a:chOff x="0" y="0"/>
+          <a:chExt cx="0" cy="0"/>
+        </a:xfrm>
+      </p:grpSpPr>
+      <p:sp>
+        <p:nvSpPr>
+          <p:cNvPr id="2" name="Title 1"/>
+          <p:cNvSpPr>
+            <a:spLocks noGrp="1"/>
+          </p:cNvSpPr>
+          <p:nvPr>
+            <p:ph type="title"/>
+          </p:nvPr>
+        </p:nvSpPr>
+        <p:spPr/>
+        <p:txBody>
+          <a:bodyPr/>
+          <a:lstStyle/>
+          <a:p>
+            <a:r>
+              <a:rPr lang="en-US" dirty="0" smtClean="0"/>
+              <a:t>Search within </a:t>
+            </a:r>
+            <a:r>
+              <a:rPr lang="en-US" dirty="0" smtClean="0"/>
+              <a:t>inverted </a:t>
+            </a:r>
+            <a:r>
+              <a:rPr lang="en-US" dirty="0" smtClean="0"/>
+              <a:t>index</a:t>
             </a:r>
             <a:endParaRPr lang="en-US" dirty="0"/>
           </a:p>
@@ -27651,7 +27874,7 @@
           <a:p>
             <a:fld id="{E83B2413-24D7-4386-9BA0-B9E8B375D28C}" type="slidenum">
               <a:rPr lang="en-US" smtClean="0"/>
-              <a:t>23</a:t>
+              <a:t>24</a:t>
             </a:fld>
             <a:endParaRPr lang="en-US"/>
           </a:p>
@@ -28073,7 +28296,7 @@
 </p:sld>
 </file>
 
-<file path=ppt/slides/slide24.xml><?xml version="1.0" encoding="utf-8"?>
+<file path=ppt/slides/slide25.xml><?xml version="1.0" encoding="utf-8"?>
 <p:sld xmlns:a="http://schemas.openxmlformats.org/drawingml/2006/main" xmlns:r="http://schemas.openxmlformats.org/officeDocument/2006/relationships" xmlns:p="http://schemas.openxmlformats.org/presentationml/2006/main">
   <p:cSld>
     <p:spTree>
@@ -28243,7 +28466,7 @@
           <a:p>
             <a:fld id="{E83B2413-24D7-4386-9BA0-B9E8B375D28C}" type="slidenum">
               <a:rPr lang="en-US" smtClean="0"/>
-              <a:t>24</a:t>
+              <a:t>25</a:t>
             </a:fld>
             <a:endParaRPr lang="en-US"/>
           </a:p>
@@ -28501,7 +28724,7 @@
 </p:sld>
 </file>
 
-<file path=ppt/slides/slide25.xml><?xml version="1.0" encoding="utf-8"?>
+<file path=ppt/slides/slide26.xml><?xml version="1.0" encoding="utf-8"?>
 <p:sld xmlns:a="http://schemas.openxmlformats.org/drawingml/2006/main" xmlns:r="http://schemas.openxmlformats.org/officeDocument/2006/relationships" xmlns:p="http://schemas.openxmlformats.org/presentationml/2006/main">
   <p:cSld>
     <p:spTree>
@@ -31875,7 +32098,7 @@
           <a:p>
             <a:fld id="{E83B2413-24D7-4386-9BA0-B9E8B375D28C}" type="slidenum">
               <a:rPr lang="en-US" smtClean="0"/>
-              <a:t>25</a:t>
+              <a:t>26</a:t>
             </a:fld>
             <a:endParaRPr lang="en-US"/>
           </a:p>
@@ -32000,7 +32223,7 @@
 </p:sld>
 </file>
 
-<file path=ppt/slides/slide26.xml><?xml version="1.0" encoding="utf-8"?>
+<file path=ppt/slides/slide27.xml><?xml version="1.0" encoding="utf-8"?>
 <p:sld xmlns:a="http://schemas.openxmlformats.org/drawingml/2006/main" xmlns:r="http://schemas.openxmlformats.org/officeDocument/2006/relationships" xmlns:p="http://schemas.openxmlformats.org/presentationml/2006/main">
   <p:cSld>
     <p:spTree>
@@ -32148,7 +32371,7 @@
           <a:p>
             <a:fld id="{E83B2413-24D7-4386-9BA0-B9E8B375D28C}" type="slidenum">
               <a:rPr lang="en-US" smtClean="0"/>
-              <a:t>26</a:t>
+              <a:t>27</a:t>
             </a:fld>
             <a:endParaRPr lang="en-US"/>
           </a:p>
@@ -32158,249 +32381,6 @@
     <p:extLst>
       <p:ext uri="{BB962C8B-B14F-4D97-AF65-F5344CB8AC3E}">
         <p14:creationId xmlns:p14="http://schemas.microsoft.com/office/powerpoint/2010/main" val="2774698655"/>
-      </p:ext>
-    </p:extLst>
-  </p:cSld>
-  <p:clrMapOvr>
-    <a:masterClrMapping/>
-  </p:clrMapOvr>
-  <p:timing>
-    <p:tnLst>
-      <p:par>
-        <p:cTn id="1" dur="indefinite" restart="never" nodeType="tmRoot"/>
-      </p:par>
-    </p:tnLst>
-  </p:timing>
-</p:sld>
-</file>
-
-<file path=ppt/slides/slide27.xml><?xml version="1.0" encoding="utf-8"?>
-<p:sld xmlns:a="http://schemas.openxmlformats.org/drawingml/2006/main" xmlns:r="http://schemas.openxmlformats.org/officeDocument/2006/relationships" xmlns:p="http://schemas.openxmlformats.org/presentationml/2006/main">
-  <p:cSld>
-    <p:spTree>
-      <p:nvGrpSpPr>
-        <p:cNvPr id="1" name=""/>
-        <p:cNvGrpSpPr/>
-        <p:nvPr/>
-      </p:nvGrpSpPr>
-      <p:grpSpPr>
-        <a:xfrm>
-          <a:off x="0" y="0"/>
-          <a:ext cx="0" cy="0"/>
-          <a:chOff x="0" y="0"/>
-          <a:chExt cx="0" cy="0"/>
-        </a:xfrm>
-      </p:grpSpPr>
-      <p:sp>
-        <p:nvSpPr>
-          <p:cNvPr id="2" name="Title 1"/>
-          <p:cNvSpPr>
-            <a:spLocks noGrp="1"/>
-          </p:cNvSpPr>
-          <p:nvPr>
-            <p:ph type="title"/>
-          </p:nvPr>
-        </p:nvSpPr>
-        <p:spPr/>
-        <p:txBody>
-          <a:bodyPr/>
-          <a:lstStyle/>
-          <a:p>
-            <a:r>
-              <a:rPr lang="en-US" dirty="0" smtClean="0"/>
-              <a:t>Spelling correction</a:t>
-            </a:r>
-            <a:endParaRPr lang="en-US" dirty="0"/>
-          </a:p>
-        </p:txBody>
-      </p:sp>
-      <p:sp>
-        <p:nvSpPr>
-          <p:cNvPr id="3" name="Content Placeholder 2"/>
-          <p:cNvSpPr>
-            <a:spLocks noGrp="1"/>
-          </p:cNvSpPr>
-          <p:nvPr>
-            <p:ph idx="1"/>
-          </p:nvPr>
-        </p:nvSpPr>
-        <p:spPr/>
-        <p:txBody>
-          <a:bodyPr/>
-          <a:lstStyle/>
-          <a:p>
-            <a:r>
-              <a:rPr lang="en-US" dirty="0" smtClean="0"/>
-              <a:t>Tolerate the misspelled queries</a:t>
-            </a:r>
-          </a:p>
-          <a:p>
-            <a:pPr lvl="1"/>
-            <a:r>
-              <a:rPr lang="en-US" dirty="0"/>
-              <a:t>“</a:t>
-            </a:r>
-            <a:r>
-              <a:rPr lang="en-US" dirty="0" err="1"/>
-              <a:t>barck</a:t>
-            </a:r>
-            <a:r>
-              <a:rPr lang="en-US" dirty="0"/>
-              <a:t> </a:t>
-            </a:r>
-            <a:r>
-              <a:rPr lang="en-US" dirty="0" err="1"/>
-              <a:t>obama</a:t>
-            </a:r>
-            <a:r>
-              <a:rPr lang="en-US" dirty="0"/>
-              <a:t>” -&gt; “</a:t>
-            </a:r>
-            <a:r>
-              <a:rPr lang="en-US" dirty="0" err="1"/>
-              <a:t>barack</a:t>
-            </a:r>
-            <a:r>
-              <a:rPr lang="en-US" dirty="0"/>
-              <a:t> </a:t>
-            </a:r>
-            <a:r>
-              <a:rPr lang="en-US" dirty="0" err="1"/>
-              <a:t>obama</a:t>
-            </a:r>
-            <a:r>
-              <a:rPr lang="en-US" dirty="0" smtClean="0"/>
-              <a:t>”</a:t>
-            </a:r>
-          </a:p>
-          <a:p>
-            <a:r>
-              <a:rPr lang="en-US" dirty="0" smtClean="0"/>
-              <a:t>Principles</a:t>
-            </a:r>
-          </a:p>
-          <a:p>
-            <a:pPr lvl="1"/>
-            <a:r>
-              <a:rPr lang="en-US" dirty="0" smtClean="0"/>
-              <a:t>Of various alternative correct spellings of a misspelled query, choose the </a:t>
-            </a:r>
-            <a:r>
-              <a:rPr lang="en-US" b="1" i="1" dirty="0" smtClean="0"/>
-              <a:t>nearest</a:t>
-            </a:r>
-            <a:r>
-              <a:rPr lang="en-US" dirty="0" smtClean="0"/>
-              <a:t> one</a:t>
-            </a:r>
-          </a:p>
-          <a:p>
-            <a:pPr lvl="1"/>
-            <a:r>
-              <a:rPr lang="en-US" dirty="0" smtClean="0"/>
-              <a:t>Of various alternative correct spellings of a </a:t>
-            </a:r>
-            <a:r>
-              <a:rPr lang="en-US" dirty="0"/>
-              <a:t>misspelled query, choose the </a:t>
-            </a:r>
-            <a:r>
-              <a:rPr lang="en-US" b="1" i="1" dirty="0" smtClean="0"/>
-              <a:t>most common</a:t>
-            </a:r>
-            <a:r>
-              <a:rPr lang="en-US" i="1" dirty="0" smtClean="0"/>
-              <a:t> </a:t>
-            </a:r>
-            <a:r>
-              <a:rPr lang="en-US" dirty="0" smtClean="0"/>
-              <a:t>one</a:t>
-            </a:r>
-            <a:endParaRPr lang="en-US" dirty="0"/>
-          </a:p>
-          <a:p>
-            <a:pPr lvl="1"/>
-            <a:endParaRPr lang="en-US" dirty="0" smtClean="0"/>
-          </a:p>
-          <a:p>
-            <a:pPr lvl="1"/>
-            <a:endParaRPr lang="en-US" dirty="0"/>
-          </a:p>
-        </p:txBody>
-      </p:sp>
-      <p:sp>
-        <p:nvSpPr>
-          <p:cNvPr id="4" name="Date Placeholder 3"/>
-          <p:cNvSpPr>
-            <a:spLocks noGrp="1"/>
-          </p:cNvSpPr>
-          <p:nvPr>
-            <p:ph type="dt" sz="half" idx="10"/>
-          </p:nvPr>
-        </p:nvSpPr>
-        <p:spPr/>
-        <p:txBody>
-          <a:bodyPr/>
-          <a:lstStyle/>
-          <a:p>
-            <a:r>
-              <a:rPr lang="en-US" smtClean="0"/>
-              <a:t>CS@UVa</a:t>
-            </a:r>
-            <a:endParaRPr lang="en-US"/>
-          </a:p>
-        </p:txBody>
-      </p:sp>
-      <p:sp>
-        <p:nvSpPr>
-          <p:cNvPr id="5" name="Footer Placeholder 4"/>
-          <p:cNvSpPr>
-            <a:spLocks noGrp="1"/>
-          </p:cNvSpPr>
-          <p:nvPr>
-            <p:ph type="ftr" sz="quarter" idx="11"/>
-          </p:nvPr>
-        </p:nvSpPr>
-        <p:spPr/>
-        <p:txBody>
-          <a:bodyPr/>
-          <a:lstStyle/>
-          <a:p>
-            <a:r>
-              <a:rPr lang="en-US" smtClean="0"/>
-              <a:t>CS4501: Information Retrieval</a:t>
-            </a:r>
-            <a:endParaRPr lang="en-US"/>
-          </a:p>
-        </p:txBody>
-      </p:sp>
-      <p:sp>
-        <p:nvSpPr>
-          <p:cNvPr id="6" name="Slide Number Placeholder 5"/>
-          <p:cNvSpPr>
-            <a:spLocks noGrp="1"/>
-          </p:cNvSpPr>
-          <p:nvPr>
-            <p:ph type="sldNum" sz="quarter" idx="12"/>
-          </p:nvPr>
-        </p:nvSpPr>
-        <p:spPr/>
-        <p:txBody>
-          <a:bodyPr/>
-          <a:lstStyle/>
-          <a:p>
-            <a:fld id="{E83B2413-24D7-4386-9BA0-B9E8B375D28C}" type="slidenum">
-              <a:rPr lang="en-US" smtClean="0"/>
-              <a:t>27</a:t>
-            </a:fld>
-            <a:endParaRPr lang="en-US"/>
-          </a:p>
-        </p:txBody>
-      </p:sp>
-    </p:spTree>
-    <p:extLst>
-      <p:ext uri="{BB962C8B-B14F-4D97-AF65-F5344CB8AC3E}">
-        <p14:creationId xmlns:p14="http://schemas.microsoft.com/office/powerpoint/2010/main" val="1792712643"/>
       </p:ext>
     </p:extLst>
   </p:cSld>
@@ -32450,6 +32430,249 @@
           <a:lstStyle/>
           <a:p>
             <a:r>
+              <a:rPr lang="en-US" dirty="0" smtClean="0"/>
+              <a:t>Spelling correction</a:t>
+            </a:r>
+            <a:endParaRPr lang="en-US" dirty="0"/>
+          </a:p>
+        </p:txBody>
+      </p:sp>
+      <p:sp>
+        <p:nvSpPr>
+          <p:cNvPr id="3" name="Content Placeholder 2"/>
+          <p:cNvSpPr>
+            <a:spLocks noGrp="1"/>
+          </p:cNvSpPr>
+          <p:nvPr>
+            <p:ph idx="1"/>
+          </p:nvPr>
+        </p:nvSpPr>
+        <p:spPr/>
+        <p:txBody>
+          <a:bodyPr/>
+          <a:lstStyle/>
+          <a:p>
+            <a:r>
+              <a:rPr lang="en-US" dirty="0" smtClean="0"/>
+              <a:t>Tolerate the misspelled queries</a:t>
+            </a:r>
+          </a:p>
+          <a:p>
+            <a:pPr lvl="1"/>
+            <a:r>
+              <a:rPr lang="en-US" dirty="0"/>
+              <a:t>“</a:t>
+            </a:r>
+            <a:r>
+              <a:rPr lang="en-US" dirty="0" err="1"/>
+              <a:t>barck</a:t>
+            </a:r>
+            <a:r>
+              <a:rPr lang="en-US" dirty="0"/>
+              <a:t> </a:t>
+            </a:r>
+            <a:r>
+              <a:rPr lang="en-US" dirty="0" err="1"/>
+              <a:t>obama</a:t>
+            </a:r>
+            <a:r>
+              <a:rPr lang="en-US" dirty="0"/>
+              <a:t>” -&gt; “</a:t>
+            </a:r>
+            <a:r>
+              <a:rPr lang="en-US" dirty="0" err="1"/>
+              <a:t>barack</a:t>
+            </a:r>
+            <a:r>
+              <a:rPr lang="en-US" dirty="0"/>
+              <a:t> </a:t>
+            </a:r>
+            <a:r>
+              <a:rPr lang="en-US" dirty="0" err="1"/>
+              <a:t>obama</a:t>
+            </a:r>
+            <a:r>
+              <a:rPr lang="en-US" dirty="0" smtClean="0"/>
+              <a:t>”</a:t>
+            </a:r>
+          </a:p>
+          <a:p>
+            <a:r>
+              <a:rPr lang="en-US" dirty="0" smtClean="0"/>
+              <a:t>Principles</a:t>
+            </a:r>
+          </a:p>
+          <a:p>
+            <a:pPr lvl="1"/>
+            <a:r>
+              <a:rPr lang="en-US" dirty="0" smtClean="0"/>
+              <a:t>Of various alternative correct spellings of a misspelled query, choose the </a:t>
+            </a:r>
+            <a:r>
+              <a:rPr lang="en-US" b="1" i="1" dirty="0" smtClean="0"/>
+              <a:t>nearest</a:t>
+            </a:r>
+            <a:r>
+              <a:rPr lang="en-US" dirty="0" smtClean="0"/>
+              <a:t> one</a:t>
+            </a:r>
+          </a:p>
+          <a:p>
+            <a:pPr lvl="1"/>
+            <a:r>
+              <a:rPr lang="en-US" dirty="0" smtClean="0"/>
+              <a:t>Of various alternative correct spellings of a </a:t>
+            </a:r>
+            <a:r>
+              <a:rPr lang="en-US" dirty="0"/>
+              <a:t>misspelled query, choose the </a:t>
+            </a:r>
+            <a:r>
+              <a:rPr lang="en-US" b="1" i="1" dirty="0" smtClean="0"/>
+              <a:t>most common</a:t>
+            </a:r>
+            <a:r>
+              <a:rPr lang="en-US" i="1" dirty="0" smtClean="0"/>
+              <a:t> </a:t>
+            </a:r>
+            <a:r>
+              <a:rPr lang="en-US" dirty="0" smtClean="0"/>
+              <a:t>one</a:t>
+            </a:r>
+            <a:endParaRPr lang="en-US" dirty="0"/>
+          </a:p>
+          <a:p>
+            <a:pPr lvl="1"/>
+            <a:endParaRPr lang="en-US" dirty="0" smtClean="0"/>
+          </a:p>
+          <a:p>
+            <a:pPr lvl="1"/>
+            <a:endParaRPr lang="en-US" dirty="0"/>
+          </a:p>
+        </p:txBody>
+      </p:sp>
+      <p:sp>
+        <p:nvSpPr>
+          <p:cNvPr id="4" name="Date Placeholder 3"/>
+          <p:cNvSpPr>
+            <a:spLocks noGrp="1"/>
+          </p:cNvSpPr>
+          <p:nvPr>
+            <p:ph type="dt" sz="half" idx="10"/>
+          </p:nvPr>
+        </p:nvSpPr>
+        <p:spPr/>
+        <p:txBody>
+          <a:bodyPr/>
+          <a:lstStyle/>
+          <a:p>
+            <a:r>
+              <a:rPr lang="en-US" smtClean="0"/>
+              <a:t>CS@UVa</a:t>
+            </a:r>
+            <a:endParaRPr lang="en-US"/>
+          </a:p>
+        </p:txBody>
+      </p:sp>
+      <p:sp>
+        <p:nvSpPr>
+          <p:cNvPr id="5" name="Footer Placeholder 4"/>
+          <p:cNvSpPr>
+            <a:spLocks noGrp="1"/>
+          </p:cNvSpPr>
+          <p:nvPr>
+            <p:ph type="ftr" sz="quarter" idx="11"/>
+          </p:nvPr>
+        </p:nvSpPr>
+        <p:spPr/>
+        <p:txBody>
+          <a:bodyPr/>
+          <a:lstStyle/>
+          <a:p>
+            <a:r>
+              <a:rPr lang="en-US" smtClean="0"/>
+              <a:t>CS4501: Information Retrieval</a:t>
+            </a:r>
+            <a:endParaRPr lang="en-US"/>
+          </a:p>
+        </p:txBody>
+      </p:sp>
+      <p:sp>
+        <p:nvSpPr>
+          <p:cNvPr id="6" name="Slide Number Placeholder 5"/>
+          <p:cNvSpPr>
+            <a:spLocks noGrp="1"/>
+          </p:cNvSpPr>
+          <p:nvPr>
+            <p:ph type="sldNum" sz="quarter" idx="12"/>
+          </p:nvPr>
+        </p:nvSpPr>
+        <p:spPr/>
+        <p:txBody>
+          <a:bodyPr/>
+          <a:lstStyle/>
+          <a:p>
+            <a:fld id="{E83B2413-24D7-4386-9BA0-B9E8B375D28C}" type="slidenum">
+              <a:rPr lang="en-US" smtClean="0"/>
+              <a:t>28</a:t>
+            </a:fld>
+            <a:endParaRPr lang="en-US"/>
+          </a:p>
+        </p:txBody>
+      </p:sp>
+    </p:spTree>
+    <p:extLst>
+      <p:ext uri="{BB962C8B-B14F-4D97-AF65-F5344CB8AC3E}">
+        <p14:creationId xmlns:p14="http://schemas.microsoft.com/office/powerpoint/2010/main" val="1792712643"/>
+      </p:ext>
+    </p:extLst>
+  </p:cSld>
+  <p:clrMapOvr>
+    <a:masterClrMapping/>
+  </p:clrMapOvr>
+  <p:timing>
+    <p:tnLst>
+      <p:par>
+        <p:cTn id="1" dur="indefinite" restart="never" nodeType="tmRoot"/>
+      </p:par>
+    </p:tnLst>
+  </p:timing>
+</p:sld>
+</file>
+
+<file path=ppt/slides/slide29.xml><?xml version="1.0" encoding="utf-8"?>
+<p:sld xmlns:a="http://schemas.openxmlformats.org/drawingml/2006/main" xmlns:r="http://schemas.openxmlformats.org/officeDocument/2006/relationships" xmlns:p="http://schemas.openxmlformats.org/presentationml/2006/main">
+  <p:cSld>
+    <p:spTree>
+      <p:nvGrpSpPr>
+        <p:cNvPr id="1" name=""/>
+        <p:cNvGrpSpPr/>
+        <p:nvPr/>
+      </p:nvGrpSpPr>
+      <p:grpSpPr>
+        <a:xfrm>
+          <a:off x="0" y="0"/>
+          <a:ext cx="0" cy="0"/>
+          <a:chOff x="0" y="0"/>
+          <a:chExt cx="0" cy="0"/>
+        </a:xfrm>
+      </p:grpSpPr>
+      <p:sp>
+        <p:nvSpPr>
+          <p:cNvPr id="2" name="Title 1"/>
+          <p:cNvSpPr>
+            <a:spLocks noGrp="1"/>
+          </p:cNvSpPr>
+          <p:nvPr>
+            <p:ph type="title"/>
+          </p:nvPr>
+        </p:nvSpPr>
+        <p:spPr/>
+        <p:txBody>
+          <a:bodyPr/>
+          <a:lstStyle/>
+          <a:p>
+            <a:r>
               <a:rPr lang="en-US" dirty="0"/>
               <a:t>Spelling </a:t>
             </a:r>
@@ -32618,7 +32841,7 @@
           <a:p>
             <a:fld id="{E83B2413-24D7-4386-9BA0-B9E8B375D28C}" type="slidenum">
               <a:rPr lang="en-US" smtClean="0"/>
-              <a:t>28</a:t>
+              <a:t>29</a:t>
             </a:fld>
             <a:endParaRPr lang="en-US"/>
           </a:p>
@@ -32831,334 +33054,6 @@
                                           <p:spTgt spid="3">
                                             <p:txEl>
                                               <p:pRg st="8" end="8"/>
-                                            </p:txEl>
-                                          </p:spTgt>
-                                        </p:tgtEl>
-                                        <p:attrNameLst>
-                                          <p:attrName>style.visibility</p:attrName>
-                                        </p:attrNameLst>
-                                      </p:cBhvr>
-                                      <p:to>
-                                        <p:strVal val="visible"/>
-                                      </p:to>
-                                    </p:set>
-                                  </p:childTnLst>
-                                </p:cTn>
-                              </p:par>
-                            </p:childTnLst>
-                          </p:cTn>
-                        </p:par>
-                      </p:childTnLst>
-                    </p:cTn>
-                  </p:par>
-                </p:childTnLst>
-              </p:cTn>
-              <p:prevCondLst>
-                <p:cond evt="onPrev" delay="0">
-                  <p:tgtEl>
-                    <p:sldTgt/>
-                  </p:tgtEl>
-                </p:cond>
-              </p:prevCondLst>
-              <p:nextCondLst>
-                <p:cond evt="onNext" delay="0">
-                  <p:tgtEl>
-                    <p:sldTgt/>
-                  </p:tgtEl>
-                </p:cond>
-              </p:nextCondLst>
-            </p:seq>
-          </p:childTnLst>
-        </p:cTn>
-      </p:par>
-    </p:tnLst>
-  </p:timing>
-</p:sld>
-</file>
-
-<file path=ppt/slides/slide29.xml><?xml version="1.0" encoding="utf-8"?>
-<p:sld xmlns:a="http://schemas.openxmlformats.org/drawingml/2006/main" xmlns:r="http://schemas.openxmlformats.org/officeDocument/2006/relationships" xmlns:p="http://schemas.openxmlformats.org/presentationml/2006/main">
-  <p:cSld>
-    <p:spTree>
-      <p:nvGrpSpPr>
-        <p:cNvPr id="1" name=""/>
-        <p:cNvGrpSpPr/>
-        <p:nvPr/>
-      </p:nvGrpSpPr>
-      <p:grpSpPr>
-        <a:xfrm>
-          <a:off x="0" y="0"/>
-          <a:ext cx="0" cy="0"/>
-          <a:chOff x="0" y="0"/>
-          <a:chExt cx="0" cy="0"/>
-        </a:xfrm>
-      </p:grpSpPr>
-      <p:sp>
-        <p:nvSpPr>
-          <p:cNvPr id="2" name="Title 1"/>
-          <p:cNvSpPr>
-            <a:spLocks noGrp="1"/>
-          </p:cNvSpPr>
-          <p:nvPr>
-            <p:ph type="title"/>
-          </p:nvPr>
-        </p:nvSpPr>
-        <p:spPr/>
-        <p:txBody>
-          <a:bodyPr/>
-          <a:lstStyle/>
-          <a:p>
-            <a:r>
-              <a:rPr lang="en-US" dirty="0"/>
-              <a:t>Spelling correction</a:t>
-            </a:r>
-          </a:p>
-        </p:txBody>
-      </p:sp>
-      <p:sp>
-        <p:nvSpPr>
-          <p:cNvPr id="3" name="Content Placeholder 2"/>
-          <p:cNvSpPr>
-            <a:spLocks noGrp="1"/>
-          </p:cNvSpPr>
-          <p:nvPr>
-            <p:ph idx="1"/>
-          </p:nvPr>
-        </p:nvSpPr>
-        <p:spPr/>
-        <p:txBody>
-          <a:bodyPr/>
-          <a:lstStyle/>
-          <a:p>
-            <a:r>
-              <a:rPr lang="en-US" dirty="0" smtClean="0"/>
-              <a:t>Proximity </a:t>
-            </a:r>
-            <a:r>
-              <a:rPr lang="en-US" dirty="0"/>
-              <a:t>between query </a:t>
-            </a:r>
-            <a:r>
-              <a:rPr lang="en-US" dirty="0" smtClean="0"/>
-              <a:t>terms</a:t>
-            </a:r>
-          </a:p>
-          <a:p>
-            <a:pPr lvl="1"/>
-            <a:r>
-              <a:rPr lang="en-US" dirty="0" smtClean="0"/>
-              <a:t>Query context</a:t>
-            </a:r>
-          </a:p>
-          <a:p>
-            <a:pPr lvl="2"/>
-            <a:r>
-              <a:rPr lang="en-US" dirty="0" smtClean="0"/>
-              <a:t>“flew form Heathrow” -&gt; “flew from Heathrow”</a:t>
-            </a:r>
-          </a:p>
-          <a:p>
-            <a:pPr lvl="1"/>
-            <a:r>
-              <a:rPr lang="en-US" dirty="0" smtClean="0"/>
-              <a:t>Solution</a:t>
-            </a:r>
-          </a:p>
-          <a:p>
-            <a:pPr lvl="2"/>
-            <a:r>
-              <a:rPr lang="en-US" dirty="0" smtClean="0"/>
-              <a:t>Enumerate alternatives for all the query terms</a:t>
-            </a:r>
-          </a:p>
-          <a:p>
-            <a:pPr lvl="2"/>
-            <a:r>
-              <a:rPr lang="en-US" dirty="0" smtClean="0"/>
-              <a:t>Heuristics must be applied to reduce the search space</a:t>
-            </a:r>
-            <a:endParaRPr lang="en-US" dirty="0"/>
-          </a:p>
-        </p:txBody>
-      </p:sp>
-      <p:sp>
-        <p:nvSpPr>
-          <p:cNvPr id="4" name="Date Placeholder 3"/>
-          <p:cNvSpPr>
-            <a:spLocks noGrp="1"/>
-          </p:cNvSpPr>
-          <p:nvPr>
-            <p:ph type="dt" sz="half" idx="10"/>
-          </p:nvPr>
-        </p:nvSpPr>
-        <p:spPr/>
-        <p:txBody>
-          <a:bodyPr/>
-          <a:lstStyle/>
-          <a:p>
-            <a:r>
-              <a:rPr lang="en-US" smtClean="0"/>
-              <a:t>CS@UVa</a:t>
-            </a:r>
-            <a:endParaRPr lang="en-US"/>
-          </a:p>
-        </p:txBody>
-      </p:sp>
-      <p:sp>
-        <p:nvSpPr>
-          <p:cNvPr id="5" name="Footer Placeholder 4"/>
-          <p:cNvSpPr>
-            <a:spLocks noGrp="1"/>
-          </p:cNvSpPr>
-          <p:nvPr>
-            <p:ph type="ftr" sz="quarter" idx="11"/>
-          </p:nvPr>
-        </p:nvSpPr>
-        <p:spPr/>
-        <p:txBody>
-          <a:bodyPr/>
-          <a:lstStyle/>
-          <a:p>
-            <a:r>
-              <a:rPr lang="en-US" smtClean="0"/>
-              <a:t>CS4501: Information Retrieval</a:t>
-            </a:r>
-            <a:endParaRPr lang="en-US"/>
-          </a:p>
-        </p:txBody>
-      </p:sp>
-      <p:sp>
-        <p:nvSpPr>
-          <p:cNvPr id="6" name="Slide Number Placeholder 5"/>
-          <p:cNvSpPr>
-            <a:spLocks noGrp="1"/>
-          </p:cNvSpPr>
-          <p:nvPr>
-            <p:ph type="sldNum" sz="quarter" idx="12"/>
-          </p:nvPr>
-        </p:nvSpPr>
-        <p:spPr/>
-        <p:txBody>
-          <a:bodyPr/>
-          <a:lstStyle/>
-          <a:p>
-            <a:fld id="{E83B2413-24D7-4386-9BA0-B9E8B375D28C}" type="slidenum">
-              <a:rPr lang="en-US" smtClean="0"/>
-              <a:t>29</a:t>
-            </a:fld>
-            <a:endParaRPr lang="en-US"/>
-          </a:p>
-        </p:txBody>
-      </p:sp>
-    </p:spTree>
-    <p:extLst>
-      <p:ext uri="{BB962C8B-B14F-4D97-AF65-F5344CB8AC3E}">
-        <p14:creationId xmlns:p14="http://schemas.microsoft.com/office/powerpoint/2010/main" val="4179360213"/>
-      </p:ext>
-    </p:extLst>
-  </p:cSld>
-  <p:clrMapOvr>
-    <a:masterClrMapping/>
-  </p:clrMapOvr>
-  <p:timing>
-    <p:tnLst>
-      <p:par>
-        <p:cTn id="1" dur="indefinite" restart="never" nodeType="tmRoot">
-          <p:childTnLst>
-            <p:seq concurrent="1" nextAc="seek">
-              <p:cTn id="2" dur="indefinite" nodeType="mainSeq">
-                <p:childTnLst>
-                  <p:par>
-                    <p:cTn id="3" fill="hold">
-                      <p:stCondLst>
-                        <p:cond delay="indefinite"/>
-                      </p:stCondLst>
-                      <p:childTnLst>
-                        <p:par>
-                          <p:cTn id="4" fill="hold">
-                            <p:stCondLst>
-                              <p:cond delay="0"/>
-                            </p:stCondLst>
-                            <p:childTnLst>
-                              <p:par>
-                                <p:cTn id="5" presetID="1" presetClass="entr" presetSubtype="0" fill="hold" nodeType="clickEffect">
-                                  <p:stCondLst>
-                                    <p:cond delay="0"/>
-                                  </p:stCondLst>
-                                  <p:childTnLst>
-                                    <p:set>
-                                      <p:cBhvr>
-                                        <p:cTn id="6" dur="1" fill="hold">
-                                          <p:stCondLst>
-                                            <p:cond delay="0"/>
-                                          </p:stCondLst>
-                                        </p:cTn>
-                                        <p:tgtEl>
-                                          <p:spTgt spid="3">
-                                            <p:txEl>
-                                              <p:pRg st="3" end="3"/>
-                                            </p:txEl>
-                                          </p:spTgt>
-                                        </p:tgtEl>
-                                        <p:attrNameLst>
-                                          <p:attrName>style.visibility</p:attrName>
-                                        </p:attrNameLst>
-                                      </p:cBhvr>
-                                      <p:to>
-                                        <p:strVal val="visible"/>
-                                      </p:to>
-                                    </p:set>
-                                  </p:childTnLst>
-                                </p:cTn>
-                              </p:par>
-                              <p:par>
-                                <p:cTn id="7" presetID="1" presetClass="entr" presetSubtype="0" fill="hold" nodeType="withEffect">
-                                  <p:stCondLst>
-                                    <p:cond delay="0"/>
-                                  </p:stCondLst>
-                                  <p:childTnLst>
-                                    <p:set>
-                                      <p:cBhvr>
-                                        <p:cTn id="8" dur="1" fill="hold">
-                                          <p:stCondLst>
-                                            <p:cond delay="0"/>
-                                          </p:stCondLst>
-                                        </p:cTn>
-                                        <p:tgtEl>
-                                          <p:spTgt spid="3">
-                                            <p:txEl>
-                                              <p:pRg st="4" end="4"/>
-                                            </p:txEl>
-                                          </p:spTgt>
-                                        </p:tgtEl>
-                                        <p:attrNameLst>
-                                          <p:attrName>style.visibility</p:attrName>
-                                        </p:attrNameLst>
-                                      </p:cBhvr>
-                                      <p:to>
-                                        <p:strVal val="visible"/>
-                                      </p:to>
-                                    </p:set>
-                                  </p:childTnLst>
-                                </p:cTn>
-                              </p:par>
-                              <p:par>
-                                <p:cTn id="9" presetID="1" presetClass="entr" presetSubtype="0" fill="hold" nodeType="withEffect">
-                                  <p:stCondLst>
-                                    <p:cond delay="0"/>
-                                  </p:stCondLst>
-                                  <p:childTnLst>
-                                    <p:set>
-                                      <p:cBhvr>
-                                        <p:cTn id="10" dur="1" fill="hold">
-                                          <p:stCondLst>
-                                            <p:cond delay="0"/>
-                                          </p:stCondLst>
-                                        </p:cTn>
-                                        <p:tgtEl>
-                                          <p:spTgt spid="3">
-                                            <p:txEl>
-                                              <p:pRg st="5" end="5"/>
                                             </p:txEl>
                                           </p:spTgt>
                                         </p:tgtEl>
@@ -34367,22 +34262,14 @@
             <a:pPr lvl="1"/>
             <a:r>
               <a:rPr lang="en-US" dirty="0" smtClean="0"/>
-              <a:t>Phonetic similarity</a:t>
+              <a:t>Query context</a:t>
             </a:r>
           </a:p>
           <a:p>
             <a:pPr lvl="2"/>
             <a:r>
               <a:rPr lang="en-US" dirty="0" smtClean="0"/>
-              <a:t>“</a:t>
-            </a:r>
-            <a:r>
-              <a:rPr lang="en-US" dirty="0" err="1" smtClean="0"/>
-              <a:t>herman</a:t>
-            </a:r>
-            <a:r>
-              <a:rPr lang="en-US" dirty="0" smtClean="0"/>
-              <a:t>” -&gt; “Hermann”</a:t>
+              <a:t>“flew form Heathrow” -&gt; “flew from Heathrow”</a:t>
             </a:r>
           </a:p>
           <a:p>
@@ -34396,8 +34283,16 @@
             <a:pPr lvl="2"/>
             <a:r>
               <a:rPr lang="en-US" dirty="0" smtClean="0"/>
-              <a:t>Phonetic hashing – similar-sounding terms hash to the same value</a:t>
-            </a:r>
+              <a:t>Enumerate alternatives for all the query terms</a:t>
+            </a:r>
+          </a:p>
+          <a:p>
+            <a:pPr lvl="2"/>
+            <a:r>
+              <a:rPr lang="en-US" dirty="0" smtClean="0"/>
+              <a:t>Heuristics must be applied to reduce the search space</a:t>
+            </a:r>
+            <a:endParaRPr lang="en-US" dirty="0"/>
           </a:p>
         </p:txBody>
       </p:sp>
@@ -34465,6 +34360,334 @@
             <a:fld id="{E83B2413-24D7-4386-9BA0-B9E8B375D28C}" type="slidenum">
               <a:rPr lang="en-US" smtClean="0"/>
               <a:t>30</a:t>
+            </a:fld>
+            <a:endParaRPr lang="en-US"/>
+          </a:p>
+        </p:txBody>
+      </p:sp>
+    </p:spTree>
+    <p:extLst>
+      <p:ext uri="{BB962C8B-B14F-4D97-AF65-F5344CB8AC3E}">
+        <p14:creationId xmlns:p14="http://schemas.microsoft.com/office/powerpoint/2010/main" val="4179360213"/>
+      </p:ext>
+    </p:extLst>
+  </p:cSld>
+  <p:clrMapOvr>
+    <a:masterClrMapping/>
+  </p:clrMapOvr>
+  <p:timing>
+    <p:tnLst>
+      <p:par>
+        <p:cTn id="1" dur="indefinite" restart="never" nodeType="tmRoot">
+          <p:childTnLst>
+            <p:seq concurrent="1" nextAc="seek">
+              <p:cTn id="2" dur="indefinite" nodeType="mainSeq">
+                <p:childTnLst>
+                  <p:par>
+                    <p:cTn id="3" fill="hold">
+                      <p:stCondLst>
+                        <p:cond delay="indefinite"/>
+                      </p:stCondLst>
+                      <p:childTnLst>
+                        <p:par>
+                          <p:cTn id="4" fill="hold">
+                            <p:stCondLst>
+                              <p:cond delay="0"/>
+                            </p:stCondLst>
+                            <p:childTnLst>
+                              <p:par>
+                                <p:cTn id="5" presetID="1" presetClass="entr" presetSubtype="0" fill="hold" nodeType="clickEffect">
+                                  <p:stCondLst>
+                                    <p:cond delay="0"/>
+                                  </p:stCondLst>
+                                  <p:childTnLst>
+                                    <p:set>
+                                      <p:cBhvr>
+                                        <p:cTn id="6" dur="1" fill="hold">
+                                          <p:stCondLst>
+                                            <p:cond delay="0"/>
+                                          </p:stCondLst>
+                                        </p:cTn>
+                                        <p:tgtEl>
+                                          <p:spTgt spid="3">
+                                            <p:txEl>
+                                              <p:pRg st="3" end="3"/>
+                                            </p:txEl>
+                                          </p:spTgt>
+                                        </p:tgtEl>
+                                        <p:attrNameLst>
+                                          <p:attrName>style.visibility</p:attrName>
+                                        </p:attrNameLst>
+                                      </p:cBhvr>
+                                      <p:to>
+                                        <p:strVal val="visible"/>
+                                      </p:to>
+                                    </p:set>
+                                  </p:childTnLst>
+                                </p:cTn>
+                              </p:par>
+                              <p:par>
+                                <p:cTn id="7" presetID="1" presetClass="entr" presetSubtype="0" fill="hold" nodeType="withEffect">
+                                  <p:stCondLst>
+                                    <p:cond delay="0"/>
+                                  </p:stCondLst>
+                                  <p:childTnLst>
+                                    <p:set>
+                                      <p:cBhvr>
+                                        <p:cTn id="8" dur="1" fill="hold">
+                                          <p:stCondLst>
+                                            <p:cond delay="0"/>
+                                          </p:stCondLst>
+                                        </p:cTn>
+                                        <p:tgtEl>
+                                          <p:spTgt spid="3">
+                                            <p:txEl>
+                                              <p:pRg st="4" end="4"/>
+                                            </p:txEl>
+                                          </p:spTgt>
+                                        </p:tgtEl>
+                                        <p:attrNameLst>
+                                          <p:attrName>style.visibility</p:attrName>
+                                        </p:attrNameLst>
+                                      </p:cBhvr>
+                                      <p:to>
+                                        <p:strVal val="visible"/>
+                                      </p:to>
+                                    </p:set>
+                                  </p:childTnLst>
+                                </p:cTn>
+                              </p:par>
+                              <p:par>
+                                <p:cTn id="9" presetID="1" presetClass="entr" presetSubtype="0" fill="hold" nodeType="withEffect">
+                                  <p:stCondLst>
+                                    <p:cond delay="0"/>
+                                  </p:stCondLst>
+                                  <p:childTnLst>
+                                    <p:set>
+                                      <p:cBhvr>
+                                        <p:cTn id="10" dur="1" fill="hold">
+                                          <p:stCondLst>
+                                            <p:cond delay="0"/>
+                                          </p:stCondLst>
+                                        </p:cTn>
+                                        <p:tgtEl>
+                                          <p:spTgt spid="3">
+                                            <p:txEl>
+                                              <p:pRg st="5" end="5"/>
+                                            </p:txEl>
+                                          </p:spTgt>
+                                        </p:tgtEl>
+                                        <p:attrNameLst>
+                                          <p:attrName>style.visibility</p:attrName>
+                                        </p:attrNameLst>
+                                      </p:cBhvr>
+                                      <p:to>
+                                        <p:strVal val="visible"/>
+                                      </p:to>
+                                    </p:set>
+                                  </p:childTnLst>
+                                </p:cTn>
+                              </p:par>
+                            </p:childTnLst>
+                          </p:cTn>
+                        </p:par>
+                      </p:childTnLst>
+                    </p:cTn>
+                  </p:par>
+                </p:childTnLst>
+              </p:cTn>
+              <p:prevCondLst>
+                <p:cond evt="onPrev" delay="0">
+                  <p:tgtEl>
+                    <p:sldTgt/>
+                  </p:tgtEl>
+                </p:cond>
+              </p:prevCondLst>
+              <p:nextCondLst>
+                <p:cond evt="onNext" delay="0">
+                  <p:tgtEl>
+                    <p:sldTgt/>
+                  </p:tgtEl>
+                </p:cond>
+              </p:nextCondLst>
+            </p:seq>
+          </p:childTnLst>
+        </p:cTn>
+      </p:par>
+    </p:tnLst>
+  </p:timing>
+</p:sld>
+</file>
+
+<file path=ppt/slides/slide31.xml><?xml version="1.0" encoding="utf-8"?>
+<p:sld xmlns:a="http://schemas.openxmlformats.org/drawingml/2006/main" xmlns:r="http://schemas.openxmlformats.org/officeDocument/2006/relationships" xmlns:p="http://schemas.openxmlformats.org/presentationml/2006/main">
+  <p:cSld>
+    <p:spTree>
+      <p:nvGrpSpPr>
+        <p:cNvPr id="1" name=""/>
+        <p:cNvGrpSpPr/>
+        <p:nvPr/>
+      </p:nvGrpSpPr>
+      <p:grpSpPr>
+        <a:xfrm>
+          <a:off x="0" y="0"/>
+          <a:ext cx="0" cy="0"/>
+          <a:chOff x="0" y="0"/>
+          <a:chExt cx="0" cy="0"/>
+        </a:xfrm>
+      </p:grpSpPr>
+      <p:sp>
+        <p:nvSpPr>
+          <p:cNvPr id="2" name="Title 1"/>
+          <p:cNvSpPr>
+            <a:spLocks noGrp="1"/>
+          </p:cNvSpPr>
+          <p:nvPr>
+            <p:ph type="title"/>
+          </p:nvPr>
+        </p:nvSpPr>
+        <p:spPr/>
+        <p:txBody>
+          <a:bodyPr/>
+          <a:lstStyle/>
+          <a:p>
+            <a:r>
+              <a:rPr lang="en-US" dirty="0"/>
+              <a:t>Spelling correction</a:t>
+            </a:r>
+          </a:p>
+        </p:txBody>
+      </p:sp>
+      <p:sp>
+        <p:nvSpPr>
+          <p:cNvPr id="3" name="Content Placeholder 2"/>
+          <p:cNvSpPr>
+            <a:spLocks noGrp="1"/>
+          </p:cNvSpPr>
+          <p:nvPr>
+            <p:ph idx="1"/>
+          </p:nvPr>
+        </p:nvSpPr>
+        <p:spPr/>
+        <p:txBody>
+          <a:bodyPr/>
+          <a:lstStyle/>
+          <a:p>
+            <a:r>
+              <a:rPr lang="en-US" dirty="0" smtClean="0"/>
+              <a:t>Proximity </a:t>
+            </a:r>
+            <a:r>
+              <a:rPr lang="en-US" dirty="0"/>
+              <a:t>between query </a:t>
+            </a:r>
+            <a:r>
+              <a:rPr lang="en-US" dirty="0" smtClean="0"/>
+              <a:t>terms</a:t>
+            </a:r>
+          </a:p>
+          <a:p>
+            <a:pPr lvl="1"/>
+            <a:r>
+              <a:rPr lang="en-US" dirty="0" smtClean="0"/>
+              <a:t>Phonetic similarity</a:t>
+            </a:r>
+          </a:p>
+          <a:p>
+            <a:pPr lvl="2"/>
+            <a:r>
+              <a:rPr lang="en-US" dirty="0" smtClean="0"/>
+              <a:t>“</a:t>
+            </a:r>
+            <a:r>
+              <a:rPr lang="en-US" dirty="0" err="1" smtClean="0"/>
+              <a:t>herman</a:t>
+            </a:r>
+            <a:r>
+              <a:rPr lang="en-US" dirty="0" smtClean="0"/>
+              <a:t>” -&gt; “Hermann”</a:t>
+            </a:r>
+          </a:p>
+          <a:p>
+            <a:pPr lvl="1"/>
+            <a:r>
+              <a:rPr lang="en-US" dirty="0" smtClean="0"/>
+              <a:t>Solution</a:t>
+            </a:r>
+          </a:p>
+          <a:p>
+            <a:pPr lvl="2"/>
+            <a:r>
+              <a:rPr lang="en-US" dirty="0" smtClean="0"/>
+              <a:t>Phonetic hashing – similar-sounding terms hash to the same value</a:t>
+            </a:r>
+          </a:p>
+        </p:txBody>
+      </p:sp>
+      <p:sp>
+        <p:nvSpPr>
+          <p:cNvPr id="4" name="Date Placeholder 3"/>
+          <p:cNvSpPr>
+            <a:spLocks noGrp="1"/>
+          </p:cNvSpPr>
+          <p:nvPr>
+            <p:ph type="dt" sz="half" idx="10"/>
+          </p:nvPr>
+        </p:nvSpPr>
+        <p:spPr/>
+        <p:txBody>
+          <a:bodyPr/>
+          <a:lstStyle/>
+          <a:p>
+            <a:r>
+              <a:rPr lang="en-US" smtClean="0"/>
+              <a:t>CS@UVa</a:t>
+            </a:r>
+            <a:endParaRPr lang="en-US"/>
+          </a:p>
+        </p:txBody>
+      </p:sp>
+      <p:sp>
+        <p:nvSpPr>
+          <p:cNvPr id="5" name="Footer Placeholder 4"/>
+          <p:cNvSpPr>
+            <a:spLocks noGrp="1"/>
+          </p:cNvSpPr>
+          <p:nvPr>
+            <p:ph type="ftr" sz="quarter" idx="11"/>
+          </p:nvPr>
+        </p:nvSpPr>
+        <p:spPr/>
+        <p:txBody>
+          <a:bodyPr/>
+          <a:lstStyle/>
+          <a:p>
+            <a:r>
+              <a:rPr lang="en-US" smtClean="0"/>
+              <a:t>CS4501: Information Retrieval</a:t>
+            </a:r>
+            <a:endParaRPr lang="en-US"/>
+          </a:p>
+        </p:txBody>
+      </p:sp>
+      <p:sp>
+        <p:nvSpPr>
+          <p:cNvPr id="6" name="Slide Number Placeholder 5"/>
+          <p:cNvSpPr>
+            <a:spLocks noGrp="1"/>
+          </p:cNvSpPr>
+          <p:nvPr>
+            <p:ph type="sldNum" sz="quarter" idx="12"/>
+          </p:nvPr>
+        </p:nvSpPr>
+        <p:spPr/>
+        <p:txBody>
+          <a:bodyPr/>
+          <a:lstStyle/>
+          <a:p>
+            <a:fld id="{E83B2413-24D7-4386-9BA0-B9E8B375D28C}" type="slidenum">
+              <a:rPr lang="en-US" smtClean="0"/>
+              <a:t>31</a:t>
             </a:fld>
             <a:endParaRPr lang="en-US"/>
           </a:p>
@@ -34593,194 +34816,6 @@
 </p:sld>
 </file>
 
-<file path=ppt/slides/slide31.xml><?xml version="1.0" encoding="utf-8"?>
-<p:sld xmlns:a="http://schemas.openxmlformats.org/drawingml/2006/main" xmlns:r="http://schemas.openxmlformats.org/officeDocument/2006/relationships" xmlns:p="http://schemas.openxmlformats.org/presentationml/2006/main">
-  <p:cSld>
-    <p:spTree>
-      <p:nvGrpSpPr>
-        <p:cNvPr id="1" name=""/>
-        <p:cNvGrpSpPr/>
-        <p:nvPr/>
-      </p:nvGrpSpPr>
-      <p:grpSpPr>
-        <a:xfrm>
-          <a:off x="0" y="0"/>
-          <a:ext cx="0" cy="0"/>
-          <a:chOff x="0" y="0"/>
-          <a:chExt cx="0" cy="0"/>
-        </a:xfrm>
-      </p:grpSpPr>
-      <p:sp>
-        <p:nvSpPr>
-          <p:cNvPr id="2" name="Title 1"/>
-          <p:cNvSpPr>
-            <a:spLocks noGrp="1"/>
-          </p:cNvSpPr>
-          <p:nvPr>
-            <p:ph type="title"/>
-          </p:nvPr>
-        </p:nvSpPr>
-        <p:spPr/>
-        <p:txBody>
-          <a:bodyPr/>
-          <a:lstStyle/>
-          <a:p>
-            <a:r>
-              <a:rPr lang="en-US" dirty="0" smtClean="0"/>
-              <a:t>What you should know</a:t>
-            </a:r>
-            <a:endParaRPr lang="en-US" dirty="0"/>
-          </a:p>
-        </p:txBody>
-      </p:sp>
-      <p:sp>
-        <p:nvSpPr>
-          <p:cNvPr id="3" name="Content Placeholder 2"/>
-          <p:cNvSpPr>
-            <a:spLocks noGrp="1"/>
-          </p:cNvSpPr>
-          <p:nvPr>
-            <p:ph idx="1"/>
-          </p:nvPr>
-        </p:nvSpPr>
-        <p:spPr/>
-        <p:txBody>
-          <a:bodyPr/>
-          <a:lstStyle/>
-          <a:p>
-            <a:r>
-              <a:rPr lang="en-US" dirty="0" smtClean="0"/>
-              <a:t>Inverted index for modern information retrieval</a:t>
-            </a:r>
-          </a:p>
-          <a:p>
-            <a:pPr lvl="1"/>
-            <a:r>
-              <a:rPr lang="en-US" dirty="0" smtClean="0"/>
-              <a:t>Sorting-based index construction</a:t>
-            </a:r>
-          </a:p>
-          <a:p>
-            <a:pPr lvl="1"/>
-            <a:r>
-              <a:rPr lang="en-US" dirty="0" smtClean="0"/>
-              <a:t>Index compression</a:t>
-            </a:r>
-          </a:p>
-          <a:p>
-            <a:r>
-              <a:rPr lang="en-US" dirty="0" smtClean="0"/>
-              <a:t>Search in inverted index</a:t>
-            </a:r>
-          </a:p>
-          <a:p>
-            <a:pPr lvl="1"/>
-            <a:r>
-              <a:rPr lang="en-US" dirty="0" smtClean="0"/>
-              <a:t>Phrase query</a:t>
-            </a:r>
-          </a:p>
-          <a:p>
-            <a:pPr lvl="1"/>
-            <a:r>
-              <a:rPr lang="en-US" dirty="0" smtClean="0"/>
-              <a:t>Query spelling correction</a:t>
-            </a:r>
-          </a:p>
-          <a:p>
-            <a:endParaRPr lang="en-US" dirty="0"/>
-          </a:p>
-        </p:txBody>
-      </p:sp>
-      <p:sp>
-        <p:nvSpPr>
-          <p:cNvPr id="4" name="Date Placeholder 3"/>
-          <p:cNvSpPr>
-            <a:spLocks noGrp="1"/>
-          </p:cNvSpPr>
-          <p:nvPr>
-            <p:ph type="dt" sz="half" idx="10"/>
-          </p:nvPr>
-        </p:nvSpPr>
-        <p:spPr/>
-        <p:txBody>
-          <a:bodyPr/>
-          <a:lstStyle/>
-          <a:p>
-            <a:r>
-              <a:rPr lang="en-US" smtClean="0"/>
-              <a:t>CS@UVa</a:t>
-            </a:r>
-            <a:endParaRPr lang="en-US"/>
-          </a:p>
-        </p:txBody>
-      </p:sp>
-      <p:sp>
-        <p:nvSpPr>
-          <p:cNvPr id="5" name="Footer Placeholder 4"/>
-          <p:cNvSpPr>
-            <a:spLocks noGrp="1"/>
-          </p:cNvSpPr>
-          <p:nvPr>
-            <p:ph type="ftr" sz="quarter" idx="11"/>
-          </p:nvPr>
-        </p:nvSpPr>
-        <p:spPr/>
-        <p:txBody>
-          <a:bodyPr/>
-          <a:lstStyle/>
-          <a:p>
-            <a:r>
-              <a:rPr lang="en-US" smtClean="0"/>
-              <a:t>CS4501: Information Retrieval</a:t>
-            </a:r>
-            <a:endParaRPr lang="en-US"/>
-          </a:p>
-        </p:txBody>
-      </p:sp>
-      <p:sp>
-        <p:nvSpPr>
-          <p:cNvPr id="6" name="Slide Number Placeholder 5"/>
-          <p:cNvSpPr>
-            <a:spLocks noGrp="1"/>
-          </p:cNvSpPr>
-          <p:nvPr>
-            <p:ph type="sldNum" sz="quarter" idx="12"/>
-          </p:nvPr>
-        </p:nvSpPr>
-        <p:spPr/>
-        <p:txBody>
-          <a:bodyPr/>
-          <a:lstStyle/>
-          <a:p>
-            <a:fld id="{E83B2413-24D7-4386-9BA0-B9E8B375D28C}" type="slidenum">
-              <a:rPr lang="en-US" smtClean="0"/>
-              <a:t>31</a:t>
-            </a:fld>
-            <a:endParaRPr lang="en-US"/>
-          </a:p>
-        </p:txBody>
-      </p:sp>
-    </p:spTree>
-    <p:extLst>
-      <p:ext uri="{BB962C8B-B14F-4D97-AF65-F5344CB8AC3E}">
-        <p14:creationId xmlns:p14="http://schemas.microsoft.com/office/powerpoint/2010/main" val="4152619933"/>
-      </p:ext>
-    </p:extLst>
-  </p:cSld>
-  <p:clrMapOvr>
-    <a:masterClrMapping/>
-  </p:clrMapOvr>
-  <p:timing>
-    <p:tnLst>
-      <p:par>
-        <p:cTn id="1" dur="indefinite" restart="never" nodeType="tmRoot"/>
-      </p:par>
-    </p:tnLst>
-  </p:timing>
-</p:sld>
-</file>
-
 <file path=ppt/slides/slide32.xml><?xml version="1.0" encoding="utf-8"?>
 <p:sld xmlns:a="http://schemas.openxmlformats.org/drawingml/2006/main" xmlns:r="http://schemas.openxmlformats.org/officeDocument/2006/relationships" xmlns:p="http://schemas.openxmlformats.org/presentationml/2006/main">
   <p:cSld>
@@ -34814,6 +34849,194 @@
           <a:lstStyle/>
           <a:p>
             <a:r>
+              <a:rPr lang="en-US" dirty="0" smtClean="0"/>
+              <a:t>What you should know</a:t>
+            </a:r>
+            <a:endParaRPr lang="en-US" dirty="0"/>
+          </a:p>
+        </p:txBody>
+      </p:sp>
+      <p:sp>
+        <p:nvSpPr>
+          <p:cNvPr id="3" name="Content Placeholder 2"/>
+          <p:cNvSpPr>
+            <a:spLocks noGrp="1"/>
+          </p:cNvSpPr>
+          <p:nvPr>
+            <p:ph idx="1"/>
+          </p:nvPr>
+        </p:nvSpPr>
+        <p:spPr/>
+        <p:txBody>
+          <a:bodyPr/>
+          <a:lstStyle/>
+          <a:p>
+            <a:r>
+              <a:rPr lang="en-US" dirty="0" smtClean="0"/>
+              <a:t>Inverted index for modern information retrieval</a:t>
+            </a:r>
+          </a:p>
+          <a:p>
+            <a:pPr lvl="1"/>
+            <a:r>
+              <a:rPr lang="en-US" dirty="0" smtClean="0"/>
+              <a:t>Sorting-based index construction</a:t>
+            </a:r>
+          </a:p>
+          <a:p>
+            <a:pPr lvl="1"/>
+            <a:r>
+              <a:rPr lang="en-US" dirty="0" smtClean="0"/>
+              <a:t>Index compression</a:t>
+            </a:r>
+          </a:p>
+          <a:p>
+            <a:r>
+              <a:rPr lang="en-US" dirty="0" smtClean="0"/>
+              <a:t>Search in inverted index</a:t>
+            </a:r>
+          </a:p>
+          <a:p>
+            <a:pPr lvl="1"/>
+            <a:r>
+              <a:rPr lang="en-US" dirty="0" smtClean="0"/>
+              <a:t>Phrase query</a:t>
+            </a:r>
+          </a:p>
+          <a:p>
+            <a:pPr lvl="1"/>
+            <a:r>
+              <a:rPr lang="en-US" dirty="0" smtClean="0"/>
+              <a:t>Query spelling correction</a:t>
+            </a:r>
+          </a:p>
+          <a:p>
+            <a:endParaRPr lang="en-US" dirty="0"/>
+          </a:p>
+        </p:txBody>
+      </p:sp>
+      <p:sp>
+        <p:nvSpPr>
+          <p:cNvPr id="4" name="Date Placeholder 3"/>
+          <p:cNvSpPr>
+            <a:spLocks noGrp="1"/>
+          </p:cNvSpPr>
+          <p:nvPr>
+            <p:ph type="dt" sz="half" idx="10"/>
+          </p:nvPr>
+        </p:nvSpPr>
+        <p:spPr/>
+        <p:txBody>
+          <a:bodyPr/>
+          <a:lstStyle/>
+          <a:p>
+            <a:r>
+              <a:rPr lang="en-US" smtClean="0"/>
+              <a:t>CS@UVa</a:t>
+            </a:r>
+            <a:endParaRPr lang="en-US"/>
+          </a:p>
+        </p:txBody>
+      </p:sp>
+      <p:sp>
+        <p:nvSpPr>
+          <p:cNvPr id="5" name="Footer Placeholder 4"/>
+          <p:cNvSpPr>
+            <a:spLocks noGrp="1"/>
+          </p:cNvSpPr>
+          <p:nvPr>
+            <p:ph type="ftr" sz="quarter" idx="11"/>
+          </p:nvPr>
+        </p:nvSpPr>
+        <p:spPr/>
+        <p:txBody>
+          <a:bodyPr/>
+          <a:lstStyle/>
+          <a:p>
+            <a:r>
+              <a:rPr lang="en-US" smtClean="0"/>
+              <a:t>CS4501: Information Retrieval</a:t>
+            </a:r>
+            <a:endParaRPr lang="en-US"/>
+          </a:p>
+        </p:txBody>
+      </p:sp>
+      <p:sp>
+        <p:nvSpPr>
+          <p:cNvPr id="6" name="Slide Number Placeholder 5"/>
+          <p:cNvSpPr>
+            <a:spLocks noGrp="1"/>
+          </p:cNvSpPr>
+          <p:nvPr>
+            <p:ph type="sldNum" sz="quarter" idx="12"/>
+          </p:nvPr>
+        </p:nvSpPr>
+        <p:spPr/>
+        <p:txBody>
+          <a:bodyPr/>
+          <a:lstStyle/>
+          <a:p>
+            <a:fld id="{E83B2413-24D7-4386-9BA0-B9E8B375D28C}" type="slidenum">
+              <a:rPr lang="en-US" smtClean="0"/>
+              <a:t>32</a:t>
+            </a:fld>
+            <a:endParaRPr lang="en-US"/>
+          </a:p>
+        </p:txBody>
+      </p:sp>
+    </p:spTree>
+    <p:extLst>
+      <p:ext uri="{BB962C8B-B14F-4D97-AF65-F5344CB8AC3E}">
+        <p14:creationId xmlns:p14="http://schemas.microsoft.com/office/powerpoint/2010/main" val="4152619933"/>
+      </p:ext>
+    </p:extLst>
+  </p:cSld>
+  <p:clrMapOvr>
+    <a:masterClrMapping/>
+  </p:clrMapOvr>
+  <p:timing>
+    <p:tnLst>
+      <p:par>
+        <p:cTn id="1" dur="indefinite" restart="never" nodeType="tmRoot"/>
+      </p:par>
+    </p:tnLst>
+  </p:timing>
+</p:sld>
+</file>
+
+<file path=ppt/slides/slide33.xml><?xml version="1.0" encoding="utf-8"?>
+<p:sld xmlns:a="http://schemas.openxmlformats.org/drawingml/2006/main" xmlns:r="http://schemas.openxmlformats.org/officeDocument/2006/relationships" xmlns:p="http://schemas.openxmlformats.org/presentationml/2006/main">
+  <p:cSld>
+    <p:spTree>
+      <p:nvGrpSpPr>
+        <p:cNvPr id="1" name=""/>
+        <p:cNvGrpSpPr/>
+        <p:nvPr/>
+      </p:nvGrpSpPr>
+      <p:grpSpPr>
+        <a:xfrm>
+          <a:off x="0" y="0"/>
+          <a:ext cx="0" cy="0"/>
+          <a:chOff x="0" y="0"/>
+          <a:chExt cx="0" cy="0"/>
+        </a:xfrm>
+      </p:grpSpPr>
+      <p:sp>
+        <p:nvSpPr>
+          <p:cNvPr id="2" name="Title 1"/>
+          <p:cNvSpPr>
+            <a:spLocks noGrp="1"/>
+          </p:cNvSpPr>
+          <p:nvPr>
+            <p:ph type="title"/>
+          </p:nvPr>
+        </p:nvSpPr>
+        <p:spPr/>
+        <p:txBody>
+          <a:bodyPr/>
+          <a:lstStyle/>
+          <a:p>
+            <a:r>
               <a:rPr lang="en-US" dirty="0"/>
               <a:t>Today’s reading</a:t>
             </a:r>
@@ -35000,7 +35223,7 @@
           <a:p>
             <a:fld id="{E83B2413-24D7-4386-9BA0-B9E8B375D28C}" type="slidenum">
               <a:rPr lang="en-US" smtClean="0"/>
-              <a:t>32</a:t>
+              <a:t>33</a:t>
             </a:fld>
             <a:endParaRPr lang="en-US"/>
           </a:p>
@@ -39948,7 +40171,6 @@
               <a:rPr lang="en-US" dirty="0"/>
               <a:t> law</a:t>
             </a:r>
-            <a:endParaRPr lang="en-US" dirty="0"/>
           </a:p>
         </p:txBody>
       </p:sp>
@@ -40532,105 +40754,471 @@
           <a:p>
             <a:r>
               <a:rPr lang="en-US" dirty="0" smtClean="0"/>
-              <a:t>Recap: Normalization</a:t>
+              <a:t>Statistical property of language</a:t>
             </a:r>
             <a:endParaRPr lang="en-US" dirty="0"/>
           </a:p>
         </p:txBody>
       </p:sp>
+      <mc:AlternateContent xmlns:mc="http://schemas.openxmlformats.org/markup-compatibility/2006" xmlns:a14="http://schemas.microsoft.com/office/drawing/2010/main">
+        <mc:Choice Requires="a14">
+          <p:sp>
+            <p:nvSpPr>
+              <p:cNvPr id="3" name="Content Placeholder 2"/>
+              <p:cNvSpPr>
+                <a:spLocks noGrp="1"/>
+              </p:cNvSpPr>
+              <p:nvPr>
+                <p:ph idx="1"/>
+              </p:nvPr>
+            </p:nvSpPr>
+            <p:spPr/>
+            <p:txBody>
+              <a:bodyPr/>
+              <a:lstStyle/>
+              <a:p>
+                <a:r>
+                  <a:rPr lang="en-US" dirty="0" smtClean="0"/>
+                  <a:t>Zipf’s law</a:t>
+                </a:r>
+              </a:p>
+              <a:p>
+                <a:pPr lvl="1"/>
+                <a:r>
+                  <a:rPr lang="en-US" dirty="0" smtClean="0"/>
+                  <a:t>Frequency </a:t>
+                </a:r>
+                <a:r>
+                  <a:rPr lang="en-US" dirty="0"/>
+                  <a:t>of any word is inversely proportional to its rank in the frequency </a:t>
+                </a:r>
+                <a:r>
+                  <a:rPr lang="en-US" dirty="0" smtClean="0"/>
+                  <a:t>table</a:t>
+                </a:r>
+              </a:p>
+              <a:p>
+                <a:pPr lvl="1"/>
+                <a:r>
+                  <a:rPr lang="en-US" dirty="0" smtClean="0"/>
+                  <a:t>Formally</a:t>
+                </a:r>
+              </a:p>
+              <a:p>
+                <a:pPr lvl="2"/>
+                <a14:m>
+                  <m:oMath xmlns:m="http://schemas.openxmlformats.org/officeDocument/2006/math">
+                    <m:r>
+                      <a:rPr lang="en-US" b="0" i="1" smtClean="0">
+                        <a:latin typeface="Cambria Math"/>
+                      </a:rPr>
+                      <m:t>𝑓</m:t>
+                    </m:r>
+                    <m:d>
+                      <m:dPr>
+                        <m:ctrlPr>
+                          <a:rPr lang="en-US" b="0" i="1" smtClean="0">
+                            <a:latin typeface="Cambria Math" panose="02040503050406030204" pitchFamily="18" charset="0"/>
+                          </a:rPr>
+                        </m:ctrlPr>
+                      </m:dPr>
+                      <m:e>
+                        <m:r>
+                          <a:rPr lang="en-US" b="0" i="1" smtClean="0">
+                            <a:latin typeface="Cambria Math"/>
+                          </a:rPr>
+                          <m:t>𝑘</m:t>
+                        </m:r>
+                        <m:r>
+                          <a:rPr lang="en-US" b="0" i="1" smtClean="0">
+                            <a:latin typeface="Cambria Math"/>
+                          </a:rPr>
+                          <m:t>;</m:t>
+                        </m:r>
+                        <m:r>
+                          <a:rPr lang="en-US" b="0" i="1" smtClean="0">
+                            <a:latin typeface="Cambria Math"/>
+                          </a:rPr>
+                          <m:t>𝑠</m:t>
+                        </m:r>
+                        <m:r>
+                          <a:rPr lang="en-US" b="0" i="1" smtClean="0">
+                            <a:latin typeface="Cambria Math"/>
+                          </a:rPr>
+                          <m:t>,</m:t>
+                        </m:r>
+                        <m:r>
+                          <a:rPr lang="en-US" b="0" i="1" smtClean="0">
+                            <a:latin typeface="Cambria Math"/>
+                          </a:rPr>
+                          <m:t>𝑁</m:t>
+                        </m:r>
+                      </m:e>
+                    </m:d>
+                    <m:r>
+                      <a:rPr lang="en-US" b="0" i="1" smtClean="0">
+                        <a:latin typeface="Cambria Math"/>
+                      </a:rPr>
+                      <m:t>=</m:t>
+                    </m:r>
+                    <m:f>
+                      <m:fPr>
+                        <m:ctrlPr>
+                          <a:rPr lang="en-US" b="0" i="1" smtClean="0">
+                            <a:latin typeface="Cambria Math" panose="02040503050406030204" pitchFamily="18" charset="0"/>
+                          </a:rPr>
+                        </m:ctrlPr>
+                      </m:fPr>
+                      <m:num>
+                        <m:r>
+                          <a:rPr lang="en-US" i="1">
+                            <a:latin typeface="Cambria Math"/>
+                          </a:rPr>
+                          <m:t>1/</m:t>
+                        </m:r>
+                        <m:sSup>
+                          <m:sSupPr>
+                            <m:ctrlPr>
+                              <a:rPr lang="en-US" i="1">
+                                <a:latin typeface="Cambria Math" panose="02040503050406030204" pitchFamily="18" charset="0"/>
+                              </a:rPr>
+                            </m:ctrlPr>
+                          </m:sSupPr>
+                          <m:e>
+                            <m:r>
+                              <a:rPr lang="en-US" i="1">
+                                <a:latin typeface="Cambria Math"/>
+                              </a:rPr>
+                              <m:t>𝑘</m:t>
+                            </m:r>
+                          </m:e>
+                          <m:sup>
+                            <m:r>
+                              <a:rPr lang="en-US" i="1">
+                                <a:latin typeface="Cambria Math"/>
+                              </a:rPr>
+                              <m:t>𝑠</m:t>
+                            </m:r>
+                          </m:sup>
+                        </m:sSup>
+                      </m:num>
+                      <m:den>
+                        <m:nary>
+                          <m:naryPr>
+                            <m:chr m:val="∑"/>
+                            <m:ctrlPr>
+                              <a:rPr lang="en-US" i="1">
+                                <a:latin typeface="Cambria Math" panose="02040503050406030204" pitchFamily="18" charset="0"/>
+                              </a:rPr>
+                            </m:ctrlPr>
+                          </m:naryPr>
+                          <m:sub>
+                            <m:r>
+                              <a:rPr lang="en-US" i="1">
+                                <a:latin typeface="Cambria Math"/>
+                              </a:rPr>
+                              <m:t>𝑛</m:t>
+                            </m:r>
+                            <m:r>
+                              <a:rPr lang="en-US" i="1">
+                                <a:latin typeface="Cambria Math"/>
+                              </a:rPr>
+                              <m:t>=1</m:t>
+                            </m:r>
+                          </m:sub>
+                          <m:sup>
+                            <m:r>
+                              <a:rPr lang="en-US" i="1">
+                                <a:latin typeface="Cambria Math"/>
+                              </a:rPr>
+                              <m:t>𝑁</m:t>
+                            </m:r>
+                          </m:sup>
+                          <m:e>
+                            <m:r>
+                              <a:rPr lang="en-US" i="1">
+                                <a:latin typeface="Cambria Math"/>
+                              </a:rPr>
+                              <m:t>1/</m:t>
+                            </m:r>
+                            <m:sSup>
+                              <m:sSupPr>
+                                <m:ctrlPr>
+                                  <a:rPr lang="en-US" i="1">
+                                    <a:latin typeface="Cambria Math" panose="02040503050406030204" pitchFamily="18" charset="0"/>
+                                  </a:rPr>
+                                </m:ctrlPr>
+                              </m:sSupPr>
+                              <m:e>
+                                <m:r>
+                                  <a:rPr lang="en-US" i="1">
+                                    <a:latin typeface="Cambria Math"/>
+                                  </a:rPr>
+                                  <m:t>𝑛</m:t>
+                                </m:r>
+                              </m:e>
+                              <m:sup>
+                                <m:r>
+                                  <a:rPr lang="en-US" i="1">
+                                    <a:latin typeface="Cambria Math"/>
+                                  </a:rPr>
+                                  <m:t>𝑠</m:t>
+                                </m:r>
+                              </m:sup>
+                            </m:sSup>
+                          </m:e>
+                        </m:nary>
+                      </m:den>
+                    </m:f>
+                  </m:oMath>
+                </a14:m>
+                <a:endParaRPr lang="en-US" dirty="0" smtClean="0"/>
+              </a:p>
+              <a:p>
+                <a:pPr marL="914400" lvl="2" indent="0">
+                  <a:buNone/>
+                </a:pPr>
+                <a:r>
+                  <a:rPr lang="en-US" dirty="0" smtClean="0"/>
+                  <a:t>   where </a:t>
+                </a:r>
+                <a14:m>
+                  <m:oMath xmlns:m="http://schemas.openxmlformats.org/officeDocument/2006/math">
+                    <m:r>
+                      <a:rPr lang="en-US" b="0" i="1" dirty="0" smtClean="0">
+                        <a:latin typeface="Cambria Math"/>
+                      </a:rPr>
+                      <m:t>𝑘</m:t>
+                    </m:r>
+                  </m:oMath>
+                </a14:m>
+                <a:r>
+                  <a:rPr lang="en-US" dirty="0" smtClean="0"/>
+                  <a:t> is rank of the word; </a:t>
+                </a:r>
+                <a14:m>
+                  <m:oMath xmlns:m="http://schemas.openxmlformats.org/officeDocument/2006/math">
+                    <m:r>
+                      <a:rPr lang="en-US" i="1" dirty="0" smtClean="0">
+                        <a:latin typeface="Cambria Math"/>
+                      </a:rPr>
+                      <m:t>𝑁</m:t>
+                    </m:r>
+                  </m:oMath>
+                </a14:m>
+                <a:r>
+                  <a:rPr lang="en-US" dirty="0" smtClean="0"/>
+                  <a:t> is the vocabulary size; </a:t>
+                </a:r>
+                <a14:m>
+                  <m:oMath xmlns:m="http://schemas.openxmlformats.org/officeDocument/2006/math">
+                    <m:r>
+                      <a:rPr lang="en-US" i="1" dirty="0" smtClean="0">
+                        <a:latin typeface="Cambria Math"/>
+                      </a:rPr>
+                      <m:t>𝑠</m:t>
+                    </m:r>
+                  </m:oMath>
+                </a14:m>
+                <a:r>
+                  <a:rPr lang="en-US" dirty="0" smtClean="0"/>
+                  <a:t> is language-specific parameter</a:t>
+                </a:r>
+                <a:endParaRPr lang="en-US" dirty="0"/>
+              </a:p>
+            </p:txBody>
+          </p:sp>
+        </mc:Choice>
+        <mc:Fallback xmlns="">
+          <p:sp>
+            <p:nvSpPr>
+              <p:cNvPr id="3" name="Content Placeholder 2"/>
+              <p:cNvSpPr>
+                <a:spLocks noGrp="1" noRot="1" noChangeAspect="1" noMove="1" noResize="1" noEditPoints="1" noAdjustHandles="1" noChangeArrowheads="1" noChangeShapeType="1" noTextEdit="1"/>
+              </p:cNvSpPr>
+              <p:nvPr>
+                <p:ph idx="1"/>
+              </p:nvPr>
+            </p:nvSpPr>
+            <p:spPr>
+              <a:blipFill rotWithShape="1">
+                <a:blip r:embed="rId2"/>
+                <a:stretch>
+                  <a:fillRect l="-1630" t="-1752" r="-1630"/>
+                </a:stretch>
+              </a:blipFill>
+            </p:spPr>
+            <p:txBody>
+              <a:bodyPr/>
+              <a:lstStyle/>
+              <a:p>
+                <a:r>
+                  <a:rPr lang="en-US">
+                    <a:noFill/>
+                  </a:rPr>
+                  <a:t> </a:t>
+                </a:r>
+              </a:p>
+            </p:txBody>
+          </p:sp>
+        </mc:Fallback>
+      </mc:AlternateContent>
+      <p:grpSp>
+        <p:nvGrpSpPr>
+          <p:cNvPr id="6" name="Group 5"/>
+          <p:cNvGrpSpPr/>
+          <p:nvPr/>
+        </p:nvGrpSpPr>
+        <p:grpSpPr>
+          <a:xfrm>
+            <a:off x="5562600" y="-306360"/>
+            <a:ext cx="5577912" cy="3908369"/>
+            <a:chOff x="2359222" y="2644831"/>
+            <a:chExt cx="5577912" cy="3908369"/>
+          </a:xfrm>
+        </p:grpSpPr>
+        <p:pic>
+          <p:nvPicPr>
+            <p:cNvPr id="2050" name="Picture 2" descr="http://upload.wikimedia.org/wikipedia/commons/b/b9/Wikipedia-n-zipf.png"/>
+            <p:cNvPicPr>
+              <a:picLocks noChangeAspect="1" noChangeArrowheads="1"/>
+            </p:cNvPicPr>
+            <p:nvPr/>
+          </p:nvPicPr>
+          <p:blipFill>
+            <a:blip r:embed="rId3">
+              <a:extLst>
+                <a:ext uri="{28A0092B-C50C-407E-A947-70E740481C1C}">
+                  <a14:useLocalDpi xmlns:a14="http://schemas.microsoft.com/office/drawing/2010/main" val="0"/>
+                </a:ext>
+              </a:extLst>
+            </a:blip>
+            <a:srcRect/>
+            <a:stretch>
+              <a:fillRect/>
+            </a:stretch>
+          </p:blipFill>
+          <p:spPr bwMode="auto">
+            <a:xfrm>
+              <a:off x="2666999" y="2644831"/>
+              <a:ext cx="4499959" cy="3374969"/>
+            </a:xfrm>
+            <a:prstGeom prst="rect">
+              <a:avLst/>
+            </a:prstGeom>
+            <a:noFill/>
+            <a:extLst>
+              <a:ext uri="{909E8E84-426E-40DD-AFC4-6F175D3DCCD1}">
+                <a14:hiddenFill xmlns:a14="http://schemas.microsoft.com/office/drawing/2010/main">
+                  <a:solidFill>
+                    <a:srgbClr val="FFFFFF"/>
+                  </a:solidFill>
+                </a14:hiddenFill>
+              </a:ext>
+            </a:extLst>
+          </p:spPr>
+        </p:pic>
+        <p:sp>
+          <p:nvSpPr>
+            <p:cNvPr id="4" name="TextBox 3"/>
+            <p:cNvSpPr txBox="1"/>
+            <p:nvPr/>
+          </p:nvSpPr>
+          <p:spPr>
+            <a:xfrm>
+              <a:off x="2603134" y="6214646"/>
+              <a:ext cx="5334000" cy="338554"/>
+            </a:xfrm>
+            <a:prstGeom prst="rect">
+              <a:avLst/>
+            </a:prstGeom>
+            <a:noFill/>
+          </p:spPr>
+          <p:txBody>
+            <a:bodyPr wrap="square" rtlCol="0">
+              <a:spAutoFit/>
+            </a:bodyPr>
+            <a:lstStyle/>
+            <a:p>
+              <a:r>
+                <a:rPr lang="en-US" sz="1600" dirty="0"/>
+                <a:t>A plot of word frequency in Wikipedia (</a:t>
+              </a:r>
+              <a:r>
+                <a:rPr lang="en-US" sz="1600" dirty="0" smtClean="0"/>
+                <a:t>Nov </a:t>
+              </a:r>
+              <a:r>
+                <a:rPr lang="en-US" sz="1600" dirty="0"/>
+                <a:t>27, 2006)</a:t>
+              </a:r>
+            </a:p>
+          </p:txBody>
+        </p:sp>
+        <p:sp>
+          <p:nvSpPr>
+            <p:cNvPr id="5" name="TextBox 4"/>
+            <p:cNvSpPr txBox="1"/>
+            <p:nvPr/>
+          </p:nvSpPr>
+          <p:spPr>
+            <a:xfrm rot="16200000">
+              <a:off x="1625571" y="4010251"/>
+              <a:ext cx="1775079" cy="307777"/>
+            </a:xfrm>
+            <a:prstGeom prst="rect">
+              <a:avLst/>
+            </a:prstGeom>
+            <a:noFill/>
+          </p:spPr>
+          <p:txBody>
+            <a:bodyPr wrap="square" rtlCol="0">
+              <a:spAutoFit/>
+            </a:bodyPr>
+            <a:lstStyle/>
+            <a:p>
+              <a:r>
+                <a:rPr lang="en-US" sz="1400" dirty="0" smtClean="0"/>
+                <a:t>Word frequency</a:t>
+              </a:r>
+              <a:endParaRPr lang="en-US" sz="1400" dirty="0"/>
+            </a:p>
+          </p:txBody>
+        </p:sp>
+        <p:sp>
+          <p:nvSpPr>
+            <p:cNvPr id="7" name="TextBox 6"/>
+            <p:cNvSpPr txBox="1"/>
+            <p:nvPr/>
+          </p:nvSpPr>
+          <p:spPr>
+            <a:xfrm>
+              <a:off x="4114800" y="6019800"/>
+              <a:ext cx="2209800" cy="307777"/>
+            </a:xfrm>
+            <a:prstGeom prst="rect">
+              <a:avLst/>
+            </a:prstGeom>
+            <a:noFill/>
+          </p:spPr>
+          <p:txBody>
+            <a:bodyPr wrap="square" rtlCol="0">
+              <a:spAutoFit/>
+            </a:bodyPr>
+            <a:lstStyle/>
+            <a:p>
+              <a:r>
+                <a:rPr lang="en-US" sz="1400" dirty="0" smtClean="0"/>
+                <a:t>Word rank by frequency</a:t>
+              </a:r>
+              <a:endParaRPr lang="en-US" sz="1400" dirty="0"/>
+            </a:p>
+          </p:txBody>
+        </p:sp>
+      </p:grpSp>
       <p:sp>
         <p:nvSpPr>
-          <p:cNvPr id="3" name="Content Placeholder 2"/>
-          <p:cNvSpPr>
-            <a:spLocks noGrp="1"/>
-          </p:cNvSpPr>
-          <p:nvPr>
-            <p:ph idx="1"/>
-          </p:nvPr>
-        </p:nvSpPr>
-        <p:spPr/>
-        <p:txBody>
-          <a:bodyPr>
-            <a:normAutofit lnSpcReduction="10000"/>
-          </a:bodyPr>
-          <a:lstStyle/>
-          <a:p>
-            <a:r>
-              <a:rPr lang="en-US" dirty="0" smtClean="0"/>
-              <a:t>Solution</a:t>
-            </a:r>
-            <a:endParaRPr lang="en-US" dirty="0" smtClean="0"/>
-          </a:p>
-          <a:p>
-            <a:pPr lvl="1"/>
-            <a:r>
-              <a:rPr lang="en-US" dirty="0" smtClean="0"/>
-              <a:t>Rule-based</a:t>
-            </a:r>
-          </a:p>
-          <a:p>
-            <a:pPr lvl="2"/>
-            <a:r>
-              <a:rPr lang="en-US" dirty="0" smtClean="0"/>
-              <a:t>Delete periods and hyphens</a:t>
-            </a:r>
-          </a:p>
-          <a:p>
-            <a:pPr lvl="2"/>
-            <a:r>
-              <a:rPr lang="en-US" dirty="0" smtClean="0"/>
-              <a:t>All in lower case</a:t>
-            </a:r>
-          </a:p>
-          <a:p>
-            <a:pPr lvl="1"/>
-            <a:r>
-              <a:rPr lang="en-US" dirty="0" smtClean="0"/>
-              <a:t>Dictionary-based</a:t>
-            </a:r>
-          </a:p>
-          <a:p>
-            <a:pPr lvl="2"/>
-            <a:r>
-              <a:rPr lang="en-US" dirty="0" smtClean="0"/>
-              <a:t>Construct equivalent class</a:t>
-            </a:r>
-          </a:p>
-          <a:p>
-            <a:pPr lvl="3"/>
-            <a:r>
-              <a:rPr lang="en-US" dirty="0" smtClean="0"/>
-              <a:t>Car -&gt; “automobile, vehicle”</a:t>
-            </a:r>
-          </a:p>
-          <a:p>
-            <a:pPr lvl="3"/>
-            <a:r>
-              <a:rPr lang="en-US" dirty="0" smtClean="0"/>
-              <a:t>Mobile phone -&gt; “cellphone</a:t>
-            </a:r>
-            <a:r>
-              <a:rPr lang="en-US" dirty="0" smtClean="0"/>
-              <a:t>”</a:t>
-            </a:r>
-          </a:p>
-          <a:p>
-            <a:r>
-              <a:rPr lang="en-US" dirty="0"/>
-              <a:t>Stemming: Reduce inflected or derived words to their root form </a:t>
-            </a:r>
-          </a:p>
-          <a:p>
-            <a:pPr marL="0" indent="0">
-              <a:buNone/>
-            </a:pPr>
-            <a:endParaRPr lang="en-US" dirty="0"/>
-          </a:p>
-        </p:txBody>
-      </p:sp>
-      <p:sp>
-        <p:nvSpPr>
-          <p:cNvPr id="4" name="Date Placeholder 3"/>
+          <p:cNvPr id="8" name="Date Placeholder 7"/>
           <p:cNvSpPr>
             <a:spLocks noGrp="1"/>
           </p:cNvSpPr>
@@ -40647,13 +41235,13 @@
               <a:rPr lang="en-US" smtClean="0"/>
               <a:t>CS@UVa</a:t>
             </a:r>
-            <a:endParaRPr lang="en-US" dirty="0"/>
+            <a:endParaRPr lang="en-US"/>
           </a:p>
         </p:txBody>
       </p:sp>
       <p:sp>
         <p:nvSpPr>
-          <p:cNvPr id="5" name="Footer Placeholder 4"/>
+          <p:cNvPr id="9" name="Footer Placeholder 8"/>
           <p:cNvSpPr>
             <a:spLocks noGrp="1"/>
           </p:cNvSpPr>
@@ -40676,7 +41264,7 @@
       </p:sp>
       <p:sp>
         <p:nvSpPr>
-          <p:cNvPr id="6" name="Slide Number Placeholder 5"/>
+          <p:cNvPr id="10" name="Slide Number Placeholder 9"/>
           <p:cNvSpPr>
             <a:spLocks noGrp="1"/>
           </p:cNvSpPr>
@@ -40697,10 +41285,48 @@
           </a:p>
         </p:txBody>
       </p:sp>
+      <p:sp>
+        <p:nvSpPr>
+          <p:cNvPr id="11" name="TextBox 10"/>
+          <p:cNvSpPr txBox="1"/>
+          <p:nvPr/>
+        </p:nvSpPr>
+        <p:spPr>
+          <a:xfrm>
+            <a:off x="4495800" y="1647825"/>
+            <a:ext cx="3276600" cy="369332"/>
+          </a:xfrm>
+          <a:prstGeom prst="rect">
+            <a:avLst/>
+          </a:prstGeom>
+          <a:noFill/>
+        </p:spPr>
+        <p:txBody>
+          <a:bodyPr wrap="square" rtlCol="0">
+            <a:spAutoFit/>
+          </a:bodyPr>
+          <a:lstStyle/>
+          <a:p>
+            <a:r>
+              <a:rPr lang="en-US" b="1" i="1" dirty="0" smtClean="0">
+                <a:solidFill>
+                  <a:srgbClr val="FF0000"/>
+                </a:solidFill>
+              </a:rPr>
+              <a:t>discrete version of power law</a:t>
+            </a:r>
+            <a:endParaRPr lang="en-US" b="1" i="1" dirty="0">
+              <a:solidFill>
+                <a:srgbClr val="FF0000"/>
+              </a:solidFill>
+            </a:endParaRPr>
+          </a:p>
+        </p:txBody>
+      </p:sp>
     </p:spTree>
     <p:extLst>
       <p:ext uri="{BB962C8B-B14F-4D97-AF65-F5344CB8AC3E}">
-        <p14:creationId xmlns:p14="http://schemas.microsoft.com/office/powerpoint/2010/main" val="149001305"/>
+        <p14:creationId xmlns:p14="http://schemas.microsoft.com/office/powerpoint/2010/main" val="4273190668"/>
       </p:ext>
     </p:extLst>
   </p:cSld>
@@ -40710,9 +41336,298 @@
   <p:timing>
     <p:tnLst>
       <p:par>
-        <p:cTn id="1" dur="indefinite" restart="never" nodeType="tmRoot"/>
+        <p:cTn id="1" dur="indefinite" restart="never" nodeType="tmRoot">
+          <p:childTnLst>
+            <p:seq concurrent="1" nextAc="seek">
+              <p:cTn id="2" dur="indefinite" nodeType="mainSeq">
+                <p:childTnLst>
+                  <p:par>
+                    <p:cTn id="3" fill="hold">
+                      <p:stCondLst>
+                        <p:cond delay="indefinite"/>
+                      </p:stCondLst>
+                      <p:childTnLst>
+                        <p:par>
+                          <p:cTn id="4" fill="hold">
+                            <p:stCondLst>
+                              <p:cond delay="0"/>
+                            </p:stCondLst>
+                            <p:childTnLst>
+                              <p:par>
+                                <p:cTn id="5" presetID="1" presetClass="exit" presetSubtype="0" fill="hold" nodeType="clickEffect">
+                                  <p:stCondLst>
+                                    <p:cond delay="0"/>
+                                  </p:stCondLst>
+                                  <p:childTnLst>
+                                    <p:set>
+                                      <p:cBhvr>
+                                        <p:cTn id="6" dur="1" fill="hold">
+                                          <p:stCondLst>
+                                            <p:cond delay="0"/>
+                                          </p:stCondLst>
+                                        </p:cTn>
+                                        <p:tgtEl>
+                                          <p:spTgt spid="6"/>
+                                        </p:tgtEl>
+                                        <p:attrNameLst>
+                                          <p:attrName>style.visibility</p:attrName>
+                                        </p:attrNameLst>
+                                      </p:cBhvr>
+                                      <p:to>
+                                        <p:strVal val="hidden"/>
+                                      </p:to>
+                                    </p:set>
+                                  </p:childTnLst>
+                                </p:cTn>
+                              </p:par>
+                              <p:par>
+                                <p:cTn id="7" presetID="1" presetClass="entr" presetSubtype="0" fill="hold" nodeType="withEffect">
+                                  <p:stCondLst>
+                                    <p:cond delay="0"/>
+                                  </p:stCondLst>
+                                  <p:childTnLst>
+                                    <p:set>
+                                      <p:cBhvr>
+                                        <p:cTn id="8" dur="1" fill="hold">
+                                          <p:stCondLst>
+                                            <p:cond delay="0"/>
+                                          </p:stCondLst>
+                                        </p:cTn>
+                                        <p:tgtEl>
+                                          <p:spTgt spid="3">
+                                            <p:txEl>
+                                              <p:pRg st="0" end="0"/>
+                                            </p:txEl>
+                                          </p:spTgt>
+                                        </p:tgtEl>
+                                        <p:attrNameLst>
+                                          <p:attrName>style.visibility</p:attrName>
+                                        </p:attrNameLst>
+                                      </p:cBhvr>
+                                      <p:to>
+                                        <p:strVal val="visible"/>
+                                      </p:to>
+                                    </p:set>
+                                  </p:childTnLst>
+                                </p:cTn>
+                              </p:par>
+                              <p:par>
+                                <p:cTn id="9" presetID="1" presetClass="entr" presetSubtype="0" fill="hold" nodeType="withEffect">
+                                  <p:stCondLst>
+                                    <p:cond delay="0"/>
+                                  </p:stCondLst>
+                                  <p:childTnLst>
+                                    <p:set>
+                                      <p:cBhvr>
+                                        <p:cTn id="10" dur="1" fill="hold">
+                                          <p:stCondLst>
+                                            <p:cond delay="0"/>
+                                          </p:stCondLst>
+                                        </p:cTn>
+                                        <p:tgtEl>
+                                          <p:spTgt spid="3">
+                                            <p:txEl>
+                                              <p:pRg st="1" end="1"/>
+                                            </p:txEl>
+                                          </p:spTgt>
+                                        </p:tgtEl>
+                                        <p:attrNameLst>
+                                          <p:attrName>style.visibility</p:attrName>
+                                        </p:attrNameLst>
+                                      </p:cBhvr>
+                                      <p:to>
+                                        <p:strVal val="visible"/>
+                                      </p:to>
+                                    </p:set>
+                                  </p:childTnLst>
+                                </p:cTn>
+                              </p:par>
+                            </p:childTnLst>
+                          </p:cTn>
+                        </p:par>
+                      </p:childTnLst>
+                    </p:cTn>
+                  </p:par>
+                  <p:par>
+                    <p:cTn id="11" fill="hold">
+                      <p:stCondLst>
+                        <p:cond delay="indefinite"/>
+                      </p:stCondLst>
+                      <p:childTnLst>
+                        <p:par>
+                          <p:cTn id="12" fill="hold">
+                            <p:stCondLst>
+                              <p:cond delay="0"/>
+                            </p:stCondLst>
+                            <p:childTnLst>
+                              <p:par>
+                                <p:cTn id="13" presetID="1" presetClass="entr" presetSubtype="0" fill="hold" nodeType="clickEffect">
+                                  <p:stCondLst>
+                                    <p:cond delay="0"/>
+                                  </p:stCondLst>
+                                  <p:childTnLst>
+                                    <p:set>
+                                      <p:cBhvr>
+                                        <p:cTn id="14" dur="1" fill="hold">
+                                          <p:stCondLst>
+                                            <p:cond delay="0"/>
+                                          </p:stCondLst>
+                                        </p:cTn>
+                                        <p:tgtEl>
+                                          <p:spTgt spid="3">
+                                            <p:txEl>
+                                              <p:pRg st="2" end="2"/>
+                                            </p:txEl>
+                                          </p:spTgt>
+                                        </p:tgtEl>
+                                        <p:attrNameLst>
+                                          <p:attrName>style.visibility</p:attrName>
+                                        </p:attrNameLst>
+                                      </p:cBhvr>
+                                      <p:to>
+                                        <p:strVal val="visible"/>
+                                      </p:to>
+                                    </p:set>
+                                  </p:childTnLst>
+                                </p:cTn>
+                              </p:par>
+                              <p:par>
+                                <p:cTn id="15" presetID="1" presetClass="entr" presetSubtype="0" fill="hold" nodeType="withEffect">
+                                  <p:stCondLst>
+                                    <p:cond delay="0"/>
+                                  </p:stCondLst>
+                                  <p:childTnLst>
+                                    <p:set>
+                                      <p:cBhvr>
+                                        <p:cTn id="16" dur="1" fill="hold">
+                                          <p:stCondLst>
+                                            <p:cond delay="0"/>
+                                          </p:stCondLst>
+                                        </p:cTn>
+                                        <p:tgtEl>
+                                          <p:spTgt spid="3">
+                                            <p:txEl>
+                                              <p:pRg st="3" end="3"/>
+                                            </p:txEl>
+                                          </p:spTgt>
+                                        </p:tgtEl>
+                                        <p:attrNameLst>
+                                          <p:attrName>style.visibility</p:attrName>
+                                        </p:attrNameLst>
+                                      </p:cBhvr>
+                                      <p:to>
+                                        <p:strVal val="visible"/>
+                                      </p:to>
+                                    </p:set>
+                                  </p:childTnLst>
+                                </p:cTn>
+                              </p:par>
+                              <p:par>
+                                <p:cTn id="17" presetID="1" presetClass="entr" presetSubtype="0" fill="hold" nodeType="withEffect">
+                                  <p:stCondLst>
+                                    <p:cond delay="0"/>
+                                  </p:stCondLst>
+                                  <p:childTnLst>
+                                    <p:set>
+                                      <p:cBhvr>
+                                        <p:cTn id="18" dur="1" fill="hold">
+                                          <p:stCondLst>
+                                            <p:cond delay="0"/>
+                                          </p:stCondLst>
+                                        </p:cTn>
+                                        <p:tgtEl>
+                                          <p:spTgt spid="3">
+                                            <p:txEl>
+                                              <p:pRg st="4" end="4"/>
+                                            </p:txEl>
+                                          </p:spTgt>
+                                        </p:tgtEl>
+                                        <p:attrNameLst>
+                                          <p:attrName>style.visibility</p:attrName>
+                                        </p:attrNameLst>
+                                      </p:cBhvr>
+                                      <p:to>
+                                        <p:strVal val="visible"/>
+                                      </p:to>
+                                    </p:set>
+                                  </p:childTnLst>
+                                </p:cTn>
+                              </p:par>
+                            </p:childTnLst>
+                          </p:cTn>
+                        </p:par>
+                      </p:childTnLst>
+                    </p:cTn>
+                  </p:par>
+                  <p:par>
+                    <p:cTn id="19" fill="hold">
+                      <p:stCondLst>
+                        <p:cond delay="indefinite"/>
+                      </p:stCondLst>
+                      <p:childTnLst>
+                        <p:par>
+                          <p:cTn id="20" fill="hold">
+                            <p:stCondLst>
+                              <p:cond delay="0"/>
+                            </p:stCondLst>
+                            <p:childTnLst>
+                              <p:par>
+                                <p:cTn id="21" presetID="1" presetClass="entr" presetSubtype="0" fill="hold" grpId="0" nodeType="clickEffect">
+                                  <p:stCondLst>
+                                    <p:cond delay="0"/>
+                                  </p:stCondLst>
+                                  <p:childTnLst>
+                                    <p:set>
+                                      <p:cBhvr>
+                                        <p:cTn id="22" dur="1" fill="hold">
+                                          <p:stCondLst>
+                                            <p:cond delay="0"/>
+                                          </p:stCondLst>
+                                        </p:cTn>
+                                        <p:tgtEl>
+                                          <p:spTgt spid="11"/>
+                                        </p:tgtEl>
+                                        <p:attrNameLst>
+                                          <p:attrName>style.visibility</p:attrName>
+                                        </p:attrNameLst>
+                                      </p:cBhvr>
+                                      <p:to>
+                                        <p:strVal val="visible"/>
+                                      </p:to>
+                                    </p:set>
+                                  </p:childTnLst>
+                                </p:cTn>
+                              </p:par>
+                            </p:childTnLst>
+                          </p:cTn>
+                        </p:par>
+                      </p:childTnLst>
+                    </p:cTn>
+                  </p:par>
+                </p:childTnLst>
+              </p:cTn>
+              <p:prevCondLst>
+                <p:cond evt="onPrev" delay="0">
+                  <p:tgtEl>
+                    <p:sldTgt/>
+                  </p:tgtEl>
+                </p:cond>
+              </p:prevCondLst>
+              <p:nextCondLst>
+                <p:cond evt="onNext" delay="0">
+                  <p:tgtEl>
+                    <p:sldTgt/>
+                  </p:tgtEl>
+                </p:cond>
+              </p:nextCondLst>
+            </p:seq>
+          </p:childTnLst>
+        </p:cTn>
       </p:par>
     </p:tnLst>
+    <p:bldLst>
+      <p:bldP spid="11" grpId="0"/>
+    </p:bldLst>
   </p:timing>
 </p:sld>
 </file>
